--- a/ppts/3-2.1_Queue Quiz.pptx
+++ b/ppts/3-2.1_Queue Quiz.pptx
@@ -5,14 +5,15 @@
     <p:sldMasterId id="2147483675" r:id="rId1"/>
   </p:sldMasterIdLst>
   <p:notesMasterIdLst>
-    <p:notesMasterId r:id="rId4"/>
+    <p:notesMasterId r:id="rId5"/>
   </p:notesMasterIdLst>
   <p:handoutMasterIdLst>
-    <p:handoutMasterId r:id="rId5"/>
+    <p:handoutMasterId r:id="rId6"/>
   </p:handoutMasterIdLst>
   <p:sldIdLst>
     <p:sldId id="739" r:id="rId2"/>
     <p:sldId id="741" r:id="rId3"/>
+    <p:sldId id="742" r:id="rId4"/>
   </p:sldIdLst>
   <p:sldSz cx="13004800" cy="7315200"/>
   <p:notesSz cx="6858000" cy="9144000"/>
@@ -430,7 +431,7 @@
           <a:p>
             <a:fld id="{A9ADF8C7-AEDF-43D6-9DAF-DECAC1AD2E30}" type="datetimeFigureOut">
               <a:rPr lang="ko-KR" altLang="en-US" smtClean="0"/>
-              <a:t>2023-10-05</a:t>
+              <a:t>2024. 3. 30.</a:t>
             </a:fld>
             <a:endParaRPr lang="ko-KR" altLang="en-US"/>
           </a:p>
@@ -875,10 +876,9 @@
           </a:lstStyle>
           <a:p>
             <a:r>
-              <a:rPr lang="ko-KR" altLang="en-US" dirty="0" smtClean="0"/>
+              <a:rPr lang="ko-KR" altLang="en-US" dirty="0"/>
               <a:t>마스터 제목 스타일 편집</a:t>
             </a:r>
-            <a:endParaRPr lang="ko-KR" altLang="en-US" dirty="0"/>
           </a:p>
         </p:txBody>
       </p:sp>
@@ -997,21 +997,16 @@
           </a:lstStyle>
           <a:p>
             <a:r>
-              <a:rPr lang="ko-KR" altLang="en-US" dirty="0" smtClean="0"/>
+              <a:rPr lang="ko-KR" altLang="en-US" dirty="0"/>
               <a:t>마스터 제목 </a:t>
             </a:r>
-            <a:r>
-              <a:rPr lang="en-US" altLang="ko-KR" dirty="0" smtClean="0"/>
-              <a:t/>
-            </a:r>
             <a:br>
-              <a:rPr lang="en-US" altLang="ko-KR" dirty="0" smtClean="0"/>
+              <a:rPr lang="en-US" altLang="ko-KR" dirty="0"/>
             </a:br>
             <a:r>
-              <a:rPr lang="ko-KR" altLang="en-US" dirty="0" smtClean="0"/>
+              <a:rPr lang="ko-KR" altLang="en-US" dirty="0"/>
               <a:t>스타일 편집</a:t>
             </a:r>
-            <a:endParaRPr lang="ko-KR" altLang="en-US" dirty="0"/>
           </a:p>
         </p:txBody>
       </p:sp>
@@ -1192,7 +1187,7 @@
               <a:t>Prof. Youngsup Kim, </a:t>
             </a:r>
             <a:r>
-              <a:rPr lang="en-US" altLang="ko-KR" sz="1600" b="0" i="1" dirty="0" smtClean="0">
+              <a:rPr lang="en-US" altLang="ko-KR" sz="1600" b="0" i="1" dirty="0">
                 <a:solidFill>
                   <a:schemeClr val="tx1"/>
                 </a:solidFill>
@@ -1202,7 +1197,7 @@
               <a:t>idebtor@gmail.com</a:t>
             </a:r>
             <a:r>
-              <a:rPr lang="en-US" altLang="ko-KR" sz="1600" b="0" i="1" dirty="0" smtClean="0">
+              <a:rPr lang="en-US" altLang="ko-KR" sz="1600" b="0" i="1" dirty="0">
                 <a:solidFill>
                   <a:schemeClr val="tx1"/>
                 </a:solidFill>
@@ -1292,13 +1287,8 @@
             <a:pPr lvl="2" eaLnBrk="1" latinLnBrk="0" hangingPunct="1"/>
             <a:r>
               <a:rPr lang="ko-KR" altLang="en-US" dirty="0"/>
-              <a:t>셋째 </a:t>
-            </a:r>
-            <a:r>
-              <a:rPr lang="ko-KR" altLang="en-US" dirty="0" smtClean="0"/>
-              <a:t>수준</a:t>
-            </a:r>
-            <a:endParaRPr lang="ko-KR" altLang="en-US" dirty="0"/>
+              <a:t>셋째 수준</a:t>
+            </a:r>
           </a:p>
         </p:txBody>
       </p:sp>
@@ -3511,7 +3501,7 @@
           <a:p>
             <a:fld id="{AC778754-33AA-481A-B885-58843B94B2EC}" type="datetime1">
               <a:rPr lang="ko-KR" altLang="en-US" smtClean="0"/>
-              <a:t>2023-10-05</a:t>
+              <a:t>2024. 3. 30.</a:t>
             </a:fld>
             <a:endParaRPr lang="ko-KR" altLang="en-US" dirty="0"/>
           </a:p>
@@ -4027,7 +4017,7 @@
           <a:lstStyle/>
           <a:p>
             <a:r>
-              <a:rPr lang="en-US" altLang="ko-KR" smtClean="0"/>
+              <a:rPr lang="en-US" altLang="ko-KR"/>
               <a:t>Circular Queue 1</a:t>
             </a:r>
             <a:endParaRPr lang="ko-KR" altLang="en-US" dirty="0"/>
@@ -4100,162 +4090,87 @@
           </a:p>
           <a:p>
             <a:r>
-              <a:rPr lang="en-US" altLang="ko-KR" sz="1400">
-                <a:latin typeface="Consolas" panose="020B0609020204030204" pitchFamily="49" charset="0"/>
-              </a:rPr>
-              <a:t>    </a:t>
-            </a:r>
-            <a:r>
-              <a:rPr lang="en-US" altLang="ko-KR" sz="1400" smtClean="0">
-                <a:latin typeface="Consolas" panose="020B0609020204030204" pitchFamily="49" charset="0"/>
-              </a:rPr>
-              <a:t>queue q </a:t>
-            </a:r>
-            <a:r>
-              <a:rPr lang="en-US" altLang="ko-KR" sz="1400">
-                <a:latin typeface="Consolas" panose="020B0609020204030204" pitchFamily="49" charset="0"/>
-              </a:rPr>
-              <a:t>= </a:t>
-            </a:r>
-            <a:r>
-              <a:rPr lang="en-US" altLang="ko-KR" sz="1400" smtClean="0">
-                <a:latin typeface="Consolas" panose="020B0609020204030204" pitchFamily="49" charset="0"/>
-              </a:rPr>
-              <a:t>newQueue(5);</a:t>
-            </a:r>
-            <a:endParaRPr lang="en-US" altLang="ko-KR" sz="1400" dirty="0">
-              <a:latin typeface="Consolas" panose="020B0609020204030204" pitchFamily="49" charset="0"/>
-            </a:endParaRPr>
-          </a:p>
-          <a:p>
-            <a:r>
-              <a:rPr lang="en-US" altLang="ko-KR" sz="1400">
-                <a:latin typeface="Consolas" panose="020B0609020204030204" pitchFamily="49" charset="0"/>
-              </a:rPr>
-              <a:t> </a:t>
-            </a:r>
-            <a:r>
-              <a:rPr lang="en-US" altLang="ko-KR" sz="1400" smtClean="0">
-                <a:latin typeface="Consolas" panose="020B0609020204030204" pitchFamily="49" charset="0"/>
-              </a:rPr>
-              <a:t>   enqueue(q, 12);</a:t>
-            </a:r>
-            <a:endParaRPr lang="en-US" altLang="ko-KR" sz="1400" dirty="0">
-              <a:latin typeface="Consolas" panose="020B0609020204030204" pitchFamily="49" charset="0"/>
-            </a:endParaRPr>
-          </a:p>
-          <a:p>
-            <a:r>
-              <a:rPr lang="en-US" altLang="ko-KR" sz="1400">
-                <a:latin typeface="Consolas" panose="020B0609020204030204" pitchFamily="49" charset="0"/>
-              </a:rPr>
-              <a:t>    </a:t>
-            </a:r>
-            <a:r>
-              <a:rPr lang="en-US" altLang="ko-KR" sz="1400" smtClean="0">
-                <a:latin typeface="Consolas" panose="020B0609020204030204" pitchFamily="49" charset="0"/>
-              </a:rPr>
-              <a:t>enqueue(q, 17);</a:t>
-            </a:r>
-            <a:endParaRPr lang="en-US" altLang="ko-KR" sz="1400" dirty="0">
-              <a:latin typeface="Consolas" panose="020B0609020204030204" pitchFamily="49" charset="0"/>
-            </a:endParaRPr>
-          </a:p>
-          <a:p>
-            <a:r>
-              <a:rPr lang="en-US" altLang="ko-KR" sz="1400">
-                <a:latin typeface="Consolas" panose="020B0609020204030204" pitchFamily="49" charset="0"/>
-              </a:rPr>
-              <a:t>    </a:t>
-            </a:r>
-            <a:r>
-              <a:rPr lang="en-US" altLang="ko-KR" sz="1400" smtClean="0">
-                <a:latin typeface="Consolas" panose="020B0609020204030204" pitchFamily="49" charset="0"/>
-              </a:rPr>
-              <a:t>enqueue(q, 25);</a:t>
-            </a:r>
-            <a:endParaRPr lang="en-US" altLang="ko-KR" sz="1400" dirty="0">
-              <a:latin typeface="Consolas" panose="020B0609020204030204" pitchFamily="49" charset="0"/>
-            </a:endParaRPr>
-          </a:p>
-          <a:p>
-            <a:r>
-              <a:rPr lang="en-US" altLang="ko-KR" sz="1400">
-                <a:latin typeface="Consolas" panose="020B0609020204030204" pitchFamily="49" charset="0"/>
-              </a:rPr>
-              <a:t>    </a:t>
-            </a:r>
-            <a:r>
-              <a:rPr lang="en-US" altLang="ko-KR" sz="1400" smtClean="0">
-                <a:latin typeface="Consolas" panose="020B0609020204030204" pitchFamily="49" charset="0"/>
-              </a:rPr>
-              <a:t>enqueue(q, 11);</a:t>
-            </a:r>
-            <a:endParaRPr lang="en-US" altLang="ko-KR" sz="1400" dirty="0">
-              <a:latin typeface="Consolas" panose="020B0609020204030204" pitchFamily="49" charset="0"/>
-            </a:endParaRPr>
-          </a:p>
-          <a:p>
-            <a:r>
-              <a:rPr lang="en-US" altLang="ko-KR" sz="1400" smtClean="0">
+              <a:rPr lang="en-US" altLang="ko-KR" sz="1400" dirty="0">
+                <a:latin typeface="Consolas" panose="020B0609020204030204" pitchFamily="49" charset="0"/>
+              </a:rPr>
+              <a:t>    queue q = </a:t>
+            </a:r>
+            <a:r>
+              <a:rPr lang="en-US" altLang="ko-KR" sz="1400" dirty="0" err="1">
+                <a:latin typeface="Consolas" panose="020B0609020204030204" pitchFamily="49" charset="0"/>
+              </a:rPr>
+              <a:t>newQueue</a:t>
+            </a:r>
+            <a:r>
+              <a:rPr lang="en-US" altLang="ko-KR" sz="1400" dirty="0">
+                <a:latin typeface="Consolas" panose="020B0609020204030204" pitchFamily="49" charset="0"/>
+              </a:rPr>
+              <a:t>(5);</a:t>
+            </a:r>
+          </a:p>
+          <a:p>
+            <a:r>
+              <a:rPr lang="en-US" altLang="ko-KR" sz="1400" dirty="0">
+                <a:latin typeface="Consolas" panose="020B0609020204030204" pitchFamily="49" charset="0"/>
+              </a:rPr>
+              <a:t>    enqueue(q, 12);</a:t>
+            </a:r>
+          </a:p>
+          <a:p>
+            <a:r>
+              <a:rPr lang="en-US" altLang="ko-KR" sz="1400" dirty="0">
+                <a:latin typeface="Consolas" panose="020B0609020204030204" pitchFamily="49" charset="0"/>
+              </a:rPr>
+              <a:t>    enqueue(q, 17);</a:t>
+            </a:r>
+          </a:p>
+          <a:p>
+            <a:r>
+              <a:rPr lang="en-US" altLang="ko-KR" sz="1400" dirty="0">
+                <a:latin typeface="Consolas" panose="020B0609020204030204" pitchFamily="49" charset="0"/>
+              </a:rPr>
+              <a:t>    enqueue(q, 25);</a:t>
+            </a:r>
+          </a:p>
+          <a:p>
+            <a:r>
+              <a:rPr lang="en-US" altLang="ko-KR" sz="1400" dirty="0">
+                <a:latin typeface="Consolas" panose="020B0609020204030204" pitchFamily="49" charset="0"/>
+              </a:rPr>
+              <a:t>    enqueue(q, 11);</a:t>
+            </a:r>
+          </a:p>
+          <a:p>
+            <a:r>
+              <a:rPr lang="en-US" altLang="ko-KR" sz="1400" dirty="0">
                 <a:latin typeface="Consolas" panose="020B0609020204030204" pitchFamily="49" charset="0"/>
               </a:rPr>
               <a:t>    dequeue(q);</a:t>
             </a:r>
-            <a:endParaRPr lang="en-US" altLang="ko-KR" sz="1400" dirty="0">
-              <a:latin typeface="Consolas" panose="020B0609020204030204" pitchFamily="49" charset="0"/>
-            </a:endParaRPr>
-          </a:p>
-          <a:p>
-            <a:r>
-              <a:rPr lang="en-US" altLang="ko-KR" sz="1400">
-                <a:latin typeface="Consolas" panose="020B0609020204030204" pitchFamily="49" charset="0"/>
-              </a:rPr>
-              <a:t>    </a:t>
-            </a:r>
-            <a:r>
-              <a:rPr lang="en-US" altLang="ko-KR" sz="1400" smtClean="0">
-                <a:latin typeface="Consolas" panose="020B0609020204030204" pitchFamily="49" charset="0"/>
-              </a:rPr>
-              <a:t>dequeue(q);</a:t>
-            </a:r>
-            <a:endParaRPr lang="en-US" altLang="ko-KR" sz="1400" dirty="0">
-              <a:latin typeface="Consolas" panose="020B0609020204030204" pitchFamily="49" charset="0"/>
-            </a:endParaRPr>
-          </a:p>
-          <a:p>
-            <a:r>
-              <a:rPr lang="en-US" altLang="ko-KR" sz="1400">
-                <a:latin typeface="Consolas" panose="020B0609020204030204" pitchFamily="49" charset="0"/>
-              </a:rPr>
-              <a:t>    </a:t>
-            </a:r>
-            <a:r>
-              <a:rPr lang="en-US" altLang="ko-KR" sz="1400" smtClean="0">
-                <a:latin typeface="Consolas" panose="020B0609020204030204" pitchFamily="49" charset="0"/>
-              </a:rPr>
-              <a:t>enqueue(q, 30);</a:t>
-            </a:r>
-            <a:endParaRPr lang="en-US" altLang="ko-KR" sz="1400" dirty="0">
-              <a:latin typeface="Consolas" panose="020B0609020204030204" pitchFamily="49" charset="0"/>
-            </a:endParaRPr>
-          </a:p>
-          <a:p>
-            <a:r>
-              <a:rPr lang="en-US" altLang="ko-KR" sz="1400">
-                <a:latin typeface="Consolas" panose="020B0609020204030204" pitchFamily="49" charset="0"/>
-              </a:rPr>
-              <a:t>    </a:t>
-            </a:r>
-            <a:r>
-              <a:rPr lang="en-US" altLang="ko-KR" sz="1400" smtClean="0">
-                <a:latin typeface="Consolas" panose="020B0609020204030204" pitchFamily="49" charset="0"/>
-              </a:rPr>
-              <a:t>return(0);</a:t>
-            </a:r>
-            <a:endParaRPr lang="en-US" altLang="ko-KR" sz="1400" dirty="0">
-              <a:latin typeface="Consolas" panose="020B0609020204030204" pitchFamily="49" charset="0"/>
-            </a:endParaRPr>
+          </a:p>
+          <a:p>
+            <a:r>
+              <a:rPr lang="en-US" altLang="ko-KR" sz="1400" dirty="0">
+                <a:latin typeface="Consolas" panose="020B0609020204030204" pitchFamily="49" charset="0"/>
+              </a:rPr>
+              <a:t>    dequeue(q);</a:t>
+            </a:r>
+          </a:p>
+          <a:p>
+            <a:r>
+              <a:rPr lang="en-US" altLang="ko-KR" sz="1400" dirty="0">
+                <a:latin typeface="Consolas" panose="020B0609020204030204" pitchFamily="49" charset="0"/>
+              </a:rPr>
+              <a:t>    enqueue(q, 30);</a:t>
+            </a:r>
+          </a:p>
+          <a:p>
+            <a:r>
+              <a:rPr lang="en-US" altLang="ko-KR" sz="1400" dirty="0">
+                <a:latin typeface="Consolas" panose="020B0609020204030204" pitchFamily="49" charset="0"/>
+              </a:rPr>
+              <a:t>    return(0);</a:t>
+            </a:r>
           </a:p>
           <a:p>
             <a:r>
@@ -4284,10 +4199,10 @@
         </p:nvGrpSpPr>
         <p:grpSpPr>
           <a:xfrm>
-            <a:off x="4155690" y="2297220"/>
-            <a:ext cx="2857500" cy="1438744"/>
-            <a:chOff x="6653519" y="5274890"/>
-            <a:chExt cx="2857500" cy="1438744"/>
+            <a:off x="4114996" y="2474144"/>
+            <a:ext cx="2898194" cy="1261820"/>
+            <a:chOff x="6612825" y="5451814"/>
+            <a:chExt cx="2898194" cy="1261820"/>
           </a:xfrm>
         </p:grpSpPr>
         <p:grpSp>
@@ -4364,6 +4279,15 @@
               <a:lstStyle/>
               <a:p>
                 <a:pPr algn="ctr"/>
+                <a:r>
+                  <a:rPr lang="en-US" altLang="ko-KR" sz="2000" dirty="0">
+                    <a:solidFill>
+                      <a:schemeClr val="tx1"/>
+                    </a:solidFill>
+                    <a:latin typeface="Consolas" panose="020B0609020204030204" pitchFamily="49" charset="0"/>
+                  </a:rPr>
+                  <a:t>30</a:t>
+                </a:r>
                 <a:endParaRPr lang="ko-KR" altLang="en-US" sz="2000" dirty="0">
                   <a:solidFill>
                     <a:schemeClr val="tx1"/>
@@ -4553,6 +4477,15 @@
               <a:lstStyle/>
               <a:p>
                 <a:pPr algn="ctr"/>
+                <a:r>
+                  <a:rPr lang="en-US" altLang="ko-KR" sz="2000" dirty="0">
+                    <a:solidFill>
+                      <a:srgbClr val="C00000"/>
+                    </a:solidFill>
+                    <a:latin typeface="Consolas" panose="020B0609020204030204" pitchFamily="49" charset="0"/>
+                  </a:rPr>
+                  <a:t>25</a:t>
+                </a:r>
                 <a:endParaRPr lang="ko-KR" altLang="en-US" sz="2000" dirty="0">
                   <a:solidFill>
                     <a:srgbClr val="C00000"/>
@@ -4616,6 +4549,15 @@
               <a:lstStyle/>
               <a:p>
                 <a:pPr algn="ctr"/>
+                <a:r>
+                  <a:rPr lang="en-US" altLang="ko-KR" sz="2000" dirty="0">
+                    <a:solidFill>
+                      <a:schemeClr val="tx1"/>
+                    </a:solidFill>
+                    <a:latin typeface="Consolas" panose="020B0609020204030204" pitchFamily="49" charset="0"/>
+                  </a:rPr>
+                  <a:t>11</a:t>
+                </a:r>
                 <a:endParaRPr lang="ko-KR" altLang="en-US" sz="2000" dirty="0">
                   <a:solidFill>
                     <a:schemeClr val="tx1"/>
@@ -4640,7 +4582,7 @@
           </p:nvSpPr>
           <p:spPr>
             <a:xfrm>
-              <a:off x="7797144" y="5274890"/>
+              <a:off x="6612825" y="5647290"/>
               <a:ext cx="582211" cy="307777"/>
             </a:xfrm>
             <a:prstGeom prst="rect">
@@ -4684,7 +4626,7 @@
           </p:nvSpPr>
           <p:spPr>
             <a:xfrm>
-              <a:off x="7815208" y="5529208"/>
+              <a:off x="7798211" y="5671163"/>
               <a:ext cx="534121" cy="307777"/>
             </a:xfrm>
             <a:prstGeom prst="rect">
@@ -4985,38 +4927,11 @@
           <a:lstStyle/>
           <a:p>
             <a:r>
-              <a:rPr lang="en-US" altLang="ko-KR" sz="1600" smtClean="0">
+              <a:rPr lang="en-US" altLang="ko-KR" sz="1600" dirty="0">
                 <a:cs typeface="Times New Roman"/>
               </a:rPr>
-              <a:t>In the diagram, draw the final status of the queue including where the [front] and [rear] are located after </a:t>
-            </a:r>
-            <a:r>
-              <a:rPr lang="en-US" altLang="ko-KR" sz="1600">
-                <a:cs typeface="Times New Roman"/>
-              </a:rPr>
-              <a:t>executing the </a:t>
-            </a:r>
-            <a:r>
-              <a:rPr lang="en-US" altLang="ko-KR" sz="1600" smtClean="0">
-                <a:cs typeface="Times New Roman"/>
-              </a:rPr>
-              <a:t>following </a:t>
-            </a:r>
-            <a:r>
-              <a:rPr lang="en-US" altLang="ko-KR" sz="1600">
-                <a:cs typeface="Times New Roman"/>
-              </a:rPr>
-              <a:t>code </a:t>
-            </a:r>
-            <a:r>
-              <a:rPr lang="en-US" altLang="ko-KR" sz="1600" smtClean="0">
-                <a:cs typeface="Times New Roman"/>
-              </a:rPr>
-              <a:t>snippet. </a:t>
-            </a:r>
-            <a:endParaRPr lang="en-US" altLang="ko-KR" sz="1600" dirty="0">
-              <a:cs typeface="Times New Roman"/>
-            </a:endParaRPr>
+              <a:t>In the diagram, draw the final status of the queue including where the [front] and [rear] are located after executing the following code snippet. </a:t>
+            </a:r>
           </a:p>
         </p:txBody>
       </p:sp>
@@ -5068,7 +4983,7 @@
           <a:lstStyle/>
           <a:p>
             <a:r>
-              <a:rPr lang="en-US" altLang="ko-KR" smtClean="0"/>
+              <a:rPr lang="en-US" altLang="ko-KR"/>
               <a:t>Circular Queue 2</a:t>
             </a:r>
             <a:endParaRPr lang="ko-KR" altLang="en-US" dirty="0"/>
@@ -5144,23 +5059,20 @@
               <a:rPr lang="en-US" altLang="ko-KR" sz="1400" dirty="0">
                 <a:latin typeface="Consolas" panose="020B0609020204030204" pitchFamily="49" charset="0"/>
               </a:rPr>
-              <a:t>    queue q </a:t>
-            </a:r>
-            <a:r>
-              <a:rPr lang="en-US" altLang="ko-KR" sz="1400">
-                <a:latin typeface="Consolas" panose="020B0609020204030204" pitchFamily="49" charset="0"/>
-              </a:rPr>
-              <a:t>= </a:t>
-            </a:r>
-            <a:r>
-              <a:rPr lang="en-US" altLang="ko-KR" sz="1400" smtClean="0">
-                <a:latin typeface="Consolas" panose="020B0609020204030204" pitchFamily="49" charset="0"/>
-              </a:rPr>
-              <a:t>newQueue(5);</a:t>
-            </a:r>
-            <a:endParaRPr lang="en-US" altLang="ko-KR" sz="1400" dirty="0">
-              <a:latin typeface="Consolas" panose="020B0609020204030204" pitchFamily="49" charset="0"/>
-            </a:endParaRPr>
+              <a:t>    queue q = </a:t>
+            </a:r>
+            <a:r>
+              <a:rPr lang="en-US" altLang="ko-KR" sz="1400" dirty="0" err="1">
+                <a:latin typeface="Consolas" panose="020B0609020204030204" pitchFamily="49" charset="0"/>
+              </a:rPr>
+              <a:t>newQueue</a:t>
+            </a:r>
+            <a:r>
+              <a:rPr lang="en-US" altLang="ko-KR" sz="1400" dirty="0">
+                <a:latin typeface="Consolas" panose="020B0609020204030204" pitchFamily="49" charset="0"/>
+              </a:rPr>
+              <a:t>(5);</a:t>
+            </a:r>
           </a:p>
           <a:p>
             <a:r>
@@ -5455,10 +5367,10 @@
         </p:nvGrpSpPr>
         <p:grpSpPr>
           <a:xfrm>
-            <a:off x="9351144" y="3278894"/>
-            <a:ext cx="2857500" cy="1703106"/>
-            <a:chOff x="6653519" y="5010528"/>
-            <a:chExt cx="2857500" cy="1703106"/>
+            <a:off x="9526198" y="3075303"/>
+            <a:ext cx="2857500" cy="1261820"/>
+            <a:chOff x="6653519" y="5451814"/>
+            <a:chExt cx="2857500" cy="1261820"/>
           </a:xfrm>
         </p:grpSpPr>
         <p:grpSp>
@@ -5523,6 +5435,15 @@
               <a:lstStyle/>
               <a:p>
                 <a:pPr algn="ctr"/>
+                <a:r>
+                  <a:rPr lang="en-US" altLang="ko-KR" sz="2000" dirty="0">
+                    <a:solidFill>
+                      <a:schemeClr val="tx1"/>
+                    </a:solidFill>
+                    <a:latin typeface="Consolas" panose="020B0609020204030204" pitchFamily="49" charset="0"/>
+                  </a:rPr>
+                  <a:t>7</a:t>
+                </a:r>
                 <a:endParaRPr lang="ko-KR" altLang="en-US" sz="2000" dirty="0">
                   <a:solidFill>
                     <a:schemeClr val="tx1"/>
@@ -5694,6 +5615,15 @@
               <a:lstStyle/>
               <a:p>
                 <a:pPr algn="ctr"/>
+                <a:r>
+                  <a:rPr lang="en-US" altLang="ko-KR" sz="2000" dirty="0">
+                    <a:solidFill>
+                      <a:srgbClr val="C00000"/>
+                    </a:solidFill>
+                    <a:latin typeface="Consolas" panose="020B0609020204030204" pitchFamily="49" charset="0"/>
+                  </a:rPr>
+                  <a:t>4</a:t>
+                </a:r>
                 <a:endParaRPr lang="ko-KR" altLang="en-US" sz="2000" dirty="0">
                   <a:solidFill>
                     <a:srgbClr val="C00000"/>
@@ -5751,6 +5681,15 @@
               <a:lstStyle/>
               <a:p>
                 <a:pPr algn="ctr"/>
+                <a:r>
+                  <a:rPr lang="en-US" altLang="ko-KR" sz="2000" dirty="0">
+                    <a:solidFill>
+                      <a:schemeClr val="tx1"/>
+                    </a:solidFill>
+                    <a:latin typeface="Consolas" panose="020B0609020204030204" pitchFamily="49" charset="0"/>
+                  </a:rPr>
+                  <a:t>5</a:t>
+                </a:r>
                 <a:endParaRPr lang="ko-KR" altLang="en-US" sz="2000" dirty="0">
                   <a:solidFill>
                     <a:schemeClr val="tx1"/>
@@ -5769,7 +5708,7 @@
           </p:nvSpPr>
           <p:spPr>
             <a:xfrm>
-              <a:off x="7599509" y="5010528"/>
+              <a:off x="6682593" y="5683097"/>
               <a:ext cx="582211" cy="307777"/>
             </a:xfrm>
             <a:prstGeom prst="rect">
@@ -5807,7 +5746,7 @@
           </p:nvSpPr>
           <p:spPr>
             <a:xfrm>
-              <a:off x="7623555" y="5250394"/>
+              <a:off x="7796519" y="5647415"/>
               <a:ext cx="534121" cy="307777"/>
             </a:xfrm>
             <a:prstGeom prst="rect">
@@ -6076,16 +6015,8 @@
               <a:buAutoNum type="arabicPeriod"/>
             </a:pPr>
             <a:r>
-              <a:rPr lang="en-US" altLang="ko-KR" sz="1600" smtClean="0"/>
-              <a:t>How </a:t>
-            </a:r>
-            <a:r>
-              <a:rPr lang="en-US" altLang="ko-KR" sz="1600"/>
-              <a:t>many </a:t>
-            </a:r>
-            <a:r>
-              <a:rPr lang="en-US" altLang="ko-KR" sz="1600" smtClean="0"/>
-              <a:t>failures of enqueuing and dequeuing an element occurred? </a:t>
+              <a:rPr lang="en-US" altLang="ko-KR" sz="1600" dirty="0"/>
+              <a:t>How many failures of enqueuing and dequeuing an element occurred? </a:t>
             </a:r>
           </a:p>
           <a:p>
@@ -6094,36 +6025,8 @@
               <a:buAutoNum type="arabicPeriod"/>
             </a:pPr>
             <a:r>
-              <a:rPr lang="en-US" altLang="ko-KR" sz="1600" smtClean="0"/>
-              <a:t>At </a:t>
-            </a:r>
-            <a:r>
               <a:rPr lang="en-US" altLang="ko-KR" sz="1600" dirty="0"/>
-              <a:t>the end of running this main</a:t>
-            </a:r>
-            <a:r>
-              <a:rPr lang="en-US" altLang="ko-KR" sz="1600"/>
-              <a:t>(), </a:t>
-            </a:r>
-            <a:r>
-              <a:rPr lang="en-US" altLang="ko-KR" sz="1600" smtClean="0"/>
-              <a:t>draw </a:t>
-            </a:r>
-            <a:r>
-              <a:rPr lang="en-US" altLang="ko-KR" sz="1600" dirty="0"/>
-              <a:t>a diagram that shows the status of queue </a:t>
-            </a:r>
-            <a:r>
-              <a:rPr lang="en-US" altLang="ko-KR" sz="1600"/>
-              <a:t>items </a:t>
-            </a:r>
-            <a:r>
-              <a:rPr lang="en-US" altLang="ko-KR" sz="1600" smtClean="0"/>
-              <a:t>and the </a:t>
-            </a:r>
-            <a:r>
-              <a:rPr lang="en-US" altLang="ko-KR" sz="1600" dirty="0"/>
-              <a:t>locations of </a:t>
+              <a:t>At the end of running this main(), draw a diagram that shows the status of queue items and the locations of </a:t>
             </a:r>
             <a:r>
               <a:rPr lang="en-US" altLang="ko-KR" sz="1600" dirty="0">
@@ -6131,23 +6034,7 @@
                   <a:srgbClr val="C00000"/>
                 </a:solidFill>
               </a:rPr>
-              <a:t>front </a:t>
-            </a:r>
-            <a:r>
-              <a:rPr lang="en-US" altLang="ko-KR" sz="1600">
-                <a:solidFill>
-                  <a:srgbClr val="C00000"/>
-                </a:solidFill>
-              </a:rPr>
-              <a:t>and </a:t>
-            </a:r>
-            <a:r>
-              <a:rPr lang="en-US" altLang="ko-KR" sz="1600" smtClean="0">
-                <a:solidFill>
-                  <a:srgbClr val="C00000"/>
-                </a:solidFill>
-              </a:rPr>
-              <a:t>rear. </a:t>
+              <a:t>front and rear. </a:t>
             </a:r>
           </a:p>
           <a:p>
@@ -6156,32 +6043,23 @@
               <a:buAutoNum type="arabicPeriod"/>
             </a:pPr>
             <a:r>
-              <a:rPr lang="en-US" altLang="ko-KR" sz="1600" smtClean="0"/>
+              <a:rPr lang="en-US" altLang="ko-KR" sz="1600" dirty="0"/>
               <a:t>Complete the Circular Queue program. </a:t>
             </a:r>
           </a:p>
           <a:p>
             <a:pPr lvl="1" indent="0"/>
             <a:r>
-              <a:rPr lang="en-US" altLang="ko-KR" sz="1600" smtClean="0"/>
-              <a:t>      - Debug </a:t>
-            </a:r>
-            <a:r>
-              <a:rPr lang="en-US" altLang="ko-KR" sz="1600"/>
-              <a:t>display() </a:t>
-            </a:r>
-            <a:r>
-              <a:rPr lang="en-US" altLang="ko-KR" sz="1600" smtClean="0"/>
-              <a:t>function.</a:t>
+              <a:rPr lang="en-US" altLang="ko-KR" sz="1600" dirty="0"/>
+              <a:t>      - Debug display() function.</a:t>
             </a:r>
           </a:p>
           <a:p>
             <a:pPr lvl="1" indent="0"/>
             <a:r>
-              <a:rPr lang="en-US" altLang="ko-KR" sz="1600" smtClean="0"/>
+              <a:rPr lang="en-US" altLang="ko-KR" sz="1600" dirty="0"/>
               <a:t>      - Remove the magic number SIZE, and make the default size = 4.</a:t>
             </a:r>
-            <a:endParaRPr lang="en-US" altLang="ko-KR" sz="1600" dirty="0"/>
           </a:p>
         </p:txBody>
       </p:sp>
@@ -6225,33 +6103,18 @@
           <a:lstStyle/>
           <a:p>
             <a:r>
-              <a:rPr lang="en-US" altLang="ko-KR" sz="1400" b="1">
+              <a:rPr lang="en-US" altLang="ko-KR" sz="1400" b="1" dirty="0">
                 <a:highlight>
                   <a:srgbClr val="FFFF00"/>
                 </a:highlight>
                 <a:latin typeface="Consolas" panose="020B0609020204030204" pitchFamily="49" charset="0"/>
               </a:rPr>
-              <a:t>Expected </a:t>
-            </a:r>
-            <a:r>
-              <a:rPr lang="en-US" altLang="ko-KR" sz="1400" b="1" smtClean="0">
-                <a:highlight>
-                  <a:srgbClr val="FFFF00"/>
-                </a:highlight>
-                <a:latin typeface="Consolas" panose="020B0609020204030204" pitchFamily="49" charset="0"/>
-              </a:rPr>
-              <a:t>Output (SIZE = 5):</a:t>
-            </a:r>
-            <a:endParaRPr lang="en-US" altLang="ko-KR" sz="1400" b="1">
-              <a:highlight>
-                <a:srgbClr val="FFFF00"/>
-              </a:highlight>
-              <a:latin typeface="Consolas" panose="020B0609020204030204" pitchFamily="49" charset="0"/>
-            </a:endParaRPr>
-          </a:p>
-          <a:p>
-            <a:r>
-              <a:rPr lang="en-US" altLang="ko-KR" sz="1400">
+              <a:t>Expected Output (SIZE = 5):</a:t>
+            </a:r>
+          </a:p>
+          <a:p>
+            <a:r>
+              <a:rPr lang="en-US" altLang="ko-KR" sz="1400" dirty="0">
                 <a:latin typeface="Consolas" panose="020B0609020204030204" pitchFamily="49" charset="0"/>
               </a:rPr>
               <a:t>Queue is empty</a:t>
@@ -6259,7 +6122,7 @@
           </a:p>
           <a:p>
             <a:r>
-              <a:rPr lang="en-US" altLang="ko-KR" sz="1400">
+              <a:rPr lang="en-US" altLang="ko-KR" sz="1400" dirty="0">
                 <a:latin typeface="Consolas" panose="020B0609020204030204" pitchFamily="49" charset="0"/>
               </a:rPr>
               <a:t>enqueued: 1</a:t>
@@ -6267,7 +6130,7 @@
           </a:p>
           <a:p>
             <a:r>
-              <a:rPr lang="en-US" altLang="ko-KR" sz="1400">
+              <a:rPr lang="en-US" altLang="ko-KR" sz="1400" dirty="0">
                 <a:latin typeface="Consolas" panose="020B0609020204030204" pitchFamily="49" charset="0"/>
               </a:rPr>
               <a:t>enqueued: 2</a:t>
@@ -6275,7 +6138,7 @@
           </a:p>
           <a:p>
             <a:r>
-              <a:rPr lang="en-US" altLang="ko-KR" sz="1400">
+              <a:rPr lang="en-US" altLang="ko-KR" sz="1400" dirty="0">
                 <a:latin typeface="Consolas" panose="020B0609020204030204" pitchFamily="49" charset="0"/>
               </a:rPr>
               <a:t>enqueued: 3</a:t>
@@ -6283,7 +6146,7 @@
           </a:p>
           <a:p>
             <a:r>
-              <a:rPr lang="en-US" altLang="ko-KR" sz="1400">
+              <a:rPr lang="en-US" altLang="ko-KR" sz="1400" dirty="0">
                 <a:latin typeface="Consolas" panose="020B0609020204030204" pitchFamily="49" charset="0"/>
               </a:rPr>
               <a:t>enqueued: 4</a:t>
@@ -6291,7 +6154,7 @@
           </a:p>
           <a:p>
             <a:r>
-              <a:rPr lang="en-US" altLang="ko-KR" sz="1400">
+              <a:rPr lang="en-US" altLang="ko-KR" sz="1400" dirty="0">
                 <a:latin typeface="Consolas" panose="020B0609020204030204" pitchFamily="49" charset="0"/>
               </a:rPr>
               <a:t>enqueued: 5</a:t>
@@ -6299,7 +6162,7 @@
           </a:p>
           <a:p>
             <a:r>
-              <a:rPr lang="en-US" altLang="ko-KR" sz="1400">
+              <a:rPr lang="en-US" altLang="ko-KR" sz="1400" dirty="0">
                 <a:latin typeface="Consolas" panose="020B0609020204030204" pitchFamily="49" charset="0"/>
               </a:rPr>
               <a:t>Queue is full</a:t>
@@ -6307,7 +6170,7 @@
           </a:p>
           <a:p>
             <a:r>
-              <a:rPr lang="en-US" altLang="ko-KR" sz="1400">
+              <a:rPr lang="en-US" altLang="ko-KR" sz="1400" dirty="0">
                 <a:latin typeface="Consolas" panose="020B0609020204030204" pitchFamily="49" charset="0"/>
               </a:rPr>
               <a:t>Front[0], Rear[4]</a:t>
@@ -6315,7 +6178,7 @@
           </a:p>
           <a:p>
             <a:r>
-              <a:rPr lang="en-US" altLang="ko-KR" sz="1400">
+              <a:rPr lang="en-US" altLang="ko-KR" sz="1400" dirty="0">
                 <a:latin typeface="Consolas" panose="020B0609020204030204" pitchFamily="49" charset="0"/>
               </a:rPr>
               <a:t>Items[1, 2, 3, 4, 5]</a:t>
@@ -6323,7 +6186,7 @@
           </a:p>
           <a:p>
             <a:r>
-              <a:rPr lang="en-US" altLang="ko-KR" sz="1400">
+              <a:rPr lang="en-US" altLang="ko-KR" sz="1400" dirty="0">
                 <a:latin typeface="Consolas" panose="020B0609020204030204" pitchFamily="49" charset="0"/>
               </a:rPr>
               <a:t>dequeued: 1</a:t>
@@ -6331,7 +6194,7 @@
           </a:p>
           <a:p>
             <a:r>
-              <a:rPr lang="en-US" altLang="ko-KR" sz="1400">
+              <a:rPr lang="en-US" altLang="ko-KR" sz="1400" dirty="0">
                 <a:latin typeface="Consolas" panose="020B0609020204030204" pitchFamily="49" charset="0"/>
               </a:rPr>
               <a:t>Front[1], Rear[4]</a:t>
@@ -6339,7 +6202,7 @@
           </a:p>
           <a:p>
             <a:r>
-              <a:rPr lang="en-US" altLang="ko-KR" sz="1400">
+              <a:rPr lang="en-US" altLang="ko-KR" sz="1400" dirty="0">
                 <a:latin typeface="Consolas" panose="020B0609020204030204" pitchFamily="49" charset="0"/>
               </a:rPr>
               <a:t>...</a:t>
@@ -6347,7 +6210,7 @@
           </a:p>
           <a:p>
             <a:r>
-              <a:rPr lang="en-US" altLang="ko-KR" sz="1400">
+              <a:rPr lang="en-US" altLang="ko-KR" sz="1400" dirty="0">
                 <a:latin typeface="Consolas" panose="020B0609020204030204" pitchFamily="49" charset="0"/>
               </a:rPr>
               <a:t>...</a:t>
@@ -6355,7 +6218,7 @@
           </a:p>
           <a:p>
             <a:r>
-              <a:rPr lang="en-US" altLang="ko-KR" sz="1400">
+              <a:rPr lang="en-US" altLang="ko-KR" sz="1400" dirty="0">
                 <a:latin typeface="Consolas" panose="020B0609020204030204" pitchFamily="49" charset="0"/>
               </a:rPr>
               <a:t>Front[1], Rear[0]</a:t>
@@ -6363,7 +6226,7 @@
           </a:p>
           <a:p>
             <a:r>
-              <a:rPr lang="en-US" altLang="ko-KR" sz="1400">
+              <a:rPr lang="en-US" altLang="ko-KR" sz="1400" dirty="0">
                 <a:latin typeface="Consolas" panose="020B0609020204030204" pitchFamily="49" charset="0"/>
               </a:rPr>
               <a:t>Items[2, 3, 4, 5, 7]</a:t>
@@ -6371,7 +6234,7 @@
           </a:p>
           <a:p>
             <a:r>
-              <a:rPr lang="en-US" altLang="ko-KR" sz="1400">
+              <a:rPr lang="en-US" altLang="ko-KR" sz="1400" dirty="0">
                 <a:latin typeface="Consolas" panose="020B0609020204030204" pitchFamily="49" charset="0"/>
               </a:rPr>
               <a:t>...</a:t>
@@ -6379,7 +6242,7 @@
           </a:p>
           <a:p>
             <a:r>
-              <a:rPr lang="en-US" altLang="ko-KR" sz="1400">
+              <a:rPr lang="en-US" altLang="ko-KR" sz="1400" dirty="0">
                 <a:latin typeface="Consolas" panose="020B0609020204030204" pitchFamily="49" charset="0"/>
               </a:rPr>
               <a:t>...</a:t>
@@ -6387,6 +6250,100 @@
             <a:endParaRPr lang="ko-KR" altLang="en-US" sz="1400" dirty="0">
               <a:latin typeface="Consolas" panose="020B0609020204030204" pitchFamily="49" charset="0"/>
             </a:endParaRPr>
+          </a:p>
+        </p:txBody>
+      </p:sp>
+      <p:sp>
+        <p:nvSpPr>
+          <p:cNvPr id="3" name="TextBox 2">
+            <a:extLst>
+              <a:ext uri="{FF2B5EF4-FFF2-40B4-BE49-F238E27FC236}">
+                <a16:creationId xmlns:a16="http://schemas.microsoft.com/office/drawing/2014/main" id="{3C5CB2B4-C1A0-31F4-0A6F-42AA1CAC4215}"/>
+              </a:ext>
+            </a:extLst>
+          </p:cNvPr>
+          <p:cNvSpPr txBox="1"/>
+          <p:nvPr/>
+        </p:nvSpPr>
+        <p:spPr>
+          <a:xfrm>
+            <a:off x="9176273" y="2996840"/>
+            <a:ext cx="2983345" cy="2139047"/>
+          </a:xfrm>
+          <a:prstGeom prst="rect">
+            <a:avLst/>
+          </a:prstGeom>
+          <a:noFill/>
+        </p:spPr>
+        <p:txBody>
+          <a:bodyPr wrap="square" rtlCol="0">
+            <a:spAutoFit/>
+          </a:bodyPr>
+          <a:lstStyle/>
+          <a:p>
+            <a:r>
+              <a:rPr kumimoji="1" lang="en-US" altLang="ko-Kore-KR" dirty="0"/>
+              <a:t>1</a:t>
+            </a:r>
+            <a:r>
+              <a:rPr kumimoji="1" lang="ko-KR" altLang="en-US" dirty="0"/>
+              <a:t> </a:t>
+            </a:r>
+            <a:r>
+              <a:rPr kumimoji="1" lang="en-US" altLang="ko-KR" dirty="0"/>
+              <a:t>-&gt;</a:t>
+            </a:r>
+            <a:r>
+              <a:rPr kumimoji="1" lang="ko-KR" altLang="en-US" dirty="0"/>
+              <a:t> </a:t>
+            </a:r>
+            <a:r>
+              <a:rPr kumimoji="1" lang="en-US" altLang="ko-KR" dirty="0"/>
+              <a:t>2</a:t>
+            </a:r>
+            <a:r>
+              <a:rPr kumimoji="1" lang="ko-KR" altLang="en-US" dirty="0"/>
+              <a:t>번</a:t>
+            </a:r>
+            <a:endParaRPr kumimoji="1" lang="en-US" altLang="ko-KR" dirty="0"/>
+          </a:p>
+          <a:p>
+            <a:r>
+              <a:rPr kumimoji="1" lang="en-US" altLang="ko-KR" dirty="0"/>
+              <a:t>2.</a:t>
+            </a:r>
+          </a:p>
+          <a:p>
+            <a:endParaRPr kumimoji="1" lang="en-US" altLang="ko-Kore-KR" dirty="0"/>
+          </a:p>
+          <a:p>
+            <a:endParaRPr kumimoji="1" lang="en-US" altLang="ko-Kore-KR" dirty="0"/>
+          </a:p>
+          <a:p>
+            <a:endParaRPr kumimoji="1" lang="en-US" altLang="ko-Kore-KR" dirty="0"/>
+          </a:p>
+          <a:p>
+            <a:r>
+              <a:rPr kumimoji="1" lang="en-US" altLang="ko-Kore-KR" dirty="0"/>
+              <a:t>3</a:t>
+            </a:r>
+            <a:r>
+              <a:rPr kumimoji="1" lang="ko-Kore-KR" altLang="en-US" dirty="0"/>
+              <a:t>번</a:t>
+            </a:r>
+            <a:r>
+              <a:rPr kumimoji="1" lang="ko-KR" altLang="en-US" dirty="0"/>
+              <a:t> </a:t>
+            </a:r>
+            <a:r>
+              <a:rPr kumimoji="1" lang="en-US" altLang="ko-KR" dirty="0"/>
+              <a:t>–</a:t>
+            </a:r>
+            <a:r>
+              <a:rPr kumimoji="1" lang="ko-KR" altLang="en-US" dirty="0"/>
+              <a:t> 다음 페이지에 있습니다</a:t>
+            </a:r>
+            <a:endParaRPr kumimoji="1" lang="en-US" altLang="ko-Kore-KR" dirty="0"/>
           </a:p>
         </p:txBody>
       </p:sp>
@@ -6394,6 +6351,731 @@
     <p:extLst>
       <p:ext uri="{BB962C8B-B14F-4D97-AF65-F5344CB8AC3E}">
         <p14:creationId xmlns:p14="http://schemas.microsoft.com/office/powerpoint/2010/main" val="1206463664"/>
+      </p:ext>
+    </p:extLst>
+  </p:cSld>
+  <p:clrMapOvr>
+    <a:masterClrMapping/>
+  </p:clrMapOvr>
+</p:sld>
+</file>
+
+<file path=ppt/slides/slide3.xml><?xml version="1.0" encoding="utf-8"?>
+<p:sld xmlns:a="http://schemas.openxmlformats.org/drawingml/2006/main" xmlns:r="http://schemas.openxmlformats.org/officeDocument/2006/relationships" xmlns:p="http://schemas.openxmlformats.org/presentationml/2006/main">
+  <p:cSld>
+    <p:spTree>
+      <p:nvGrpSpPr>
+        <p:cNvPr id="1" name=""/>
+        <p:cNvGrpSpPr/>
+        <p:nvPr/>
+      </p:nvGrpSpPr>
+      <p:grpSpPr>
+        <a:xfrm>
+          <a:off x="0" y="0"/>
+          <a:ext cx="0" cy="0"/>
+          <a:chOff x="0" y="0"/>
+          <a:chExt cx="0" cy="0"/>
+        </a:xfrm>
+      </p:grpSpPr>
+      <p:sp>
+        <p:nvSpPr>
+          <p:cNvPr id="2" name="제목 1">
+            <a:extLst>
+              <a:ext uri="{FF2B5EF4-FFF2-40B4-BE49-F238E27FC236}">
+                <a16:creationId xmlns:a16="http://schemas.microsoft.com/office/drawing/2014/main" id="{13A40431-62E8-8F6A-ECAC-213D8FA89A3E}"/>
+              </a:ext>
+            </a:extLst>
+          </p:cNvPr>
+          <p:cNvSpPr>
+            <a:spLocks noGrp="1"/>
+          </p:cNvSpPr>
+          <p:nvPr>
+            <p:ph type="title"/>
+          </p:nvPr>
+        </p:nvSpPr>
+        <p:spPr/>
+        <p:txBody>
+          <a:bodyPr/>
+          <a:lstStyle/>
+          <a:p>
+            <a:r>
+              <a:rPr kumimoji="1" lang="en-US" altLang="ko-Kore-KR" dirty="0"/>
+              <a:t>Display</a:t>
+            </a:r>
+            <a:r>
+              <a:rPr kumimoji="1" lang="ko-KR" altLang="en-US" dirty="0"/>
+              <a:t> </a:t>
+            </a:r>
+            <a:r>
+              <a:rPr kumimoji="1" lang="en-US" altLang="ko-Kore-KR" dirty="0"/>
+              <a:t>function</a:t>
+            </a:r>
+            <a:endParaRPr kumimoji="1" lang="ko-Kore-KR" altLang="en-US" dirty="0"/>
+          </a:p>
+        </p:txBody>
+      </p:sp>
+      <p:sp>
+        <p:nvSpPr>
+          <p:cNvPr id="3" name="내용 개체 틀 2">
+            <a:extLst>
+              <a:ext uri="{FF2B5EF4-FFF2-40B4-BE49-F238E27FC236}">
+                <a16:creationId xmlns:a16="http://schemas.microsoft.com/office/drawing/2014/main" id="{55A9A743-3DE6-E28A-6151-45D28A9D3BBE}"/>
+              </a:ext>
+            </a:extLst>
+          </p:cNvPr>
+          <p:cNvSpPr>
+            <a:spLocks noGrp="1"/>
+          </p:cNvSpPr>
+          <p:nvPr>
+            <p:ph idx="1"/>
+          </p:nvPr>
+        </p:nvSpPr>
+        <p:spPr/>
+        <p:txBody>
+          <a:bodyPr/>
+          <a:lstStyle/>
+          <a:p>
+            <a:pPr marL="0" indent="0">
+              <a:buNone/>
+            </a:pPr>
+            <a:r>
+              <a:rPr lang="en" altLang="ko-Kore-KR" sz="1800" dirty="0">
+                <a:effectLst/>
+                <a:highlight>
+                  <a:srgbClr val="EFEFEF"/>
+                </a:highlight>
+                <a:latin typeface="Consolas" panose="020B0609020204030204" pitchFamily="49" charset="0"/>
+              </a:rPr>
+              <a:t>void display(queue q) { // display queue status </a:t>
+            </a:r>
+          </a:p>
+          <a:p>
+            <a:pPr marL="0" indent="0">
+              <a:buNone/>
+            </a:pPr>
+            <a:r>
+              <a:rPr lang="ko-KR" altLang="en-US" sz="1800" dirty="0">
+                <a:effectLst/>
+                <a:highlight>
+                  <a:srgbClr val="EFEFEF"/>
+                </a:highlight>
+                <a:latin typeface="Consolas" panose="020B0609020204030204" pitchFamily="49" charset="0"/>
+              </a:rPr>
+              <a:t>    </a:t>
+            </a:r>
+            <a:r>
+              <a:rPr lang="en" altLang="ko-Kore-KR" sz="1800" dirty="0">
+                <a:effectLst/>
+                <a:highlight>
+                  <a:srgbClr val="EFEFEF"/>
+                </a:highlight>
+                <a:latin typeface="Consolas" panose="020B0609020204030204" pitchFamily="49" charset="0"/>
+              </a:rPr>
+              <a:t>int </a:t>
+            </a:r>
+            <a:r>
+              <a:rPr lang="en" altLang="ko-Kore-KR" sz="1800" dirty="0" err="1">
+                <a:effectLst/>
+                <a:highlight>
+                  <a:srgbClr val="EFEFEF"/>
+                </a:highlight>
+                <a:latin typeface="Consolas" panose="020B0609020204030204" pitchFamily="49" charset="0"/>
+              </a:rPr>
+              <a:t>i</a:t>
+            </a:r>
+            <a:r>
+              <a:rPr lang="en" altLang="ko-Kore-KR" sz="1800" dirty="0">
+                <a:effectLst/>
+                <a:highlight>
+                  <a:srgbClr val="EFEFEF"/>
+                </a:highlight>
+                <a:latin typeface="Consolas" panose="020B0609020204030204" pitchFamily="49" charset="0"/>
+              </a:rPr>
+              <a:t>; </a:t>
+            </a:r>
+          </a:p>
+          <a:p>
+            <a:pPr marL="0" indent="0">
+              <a:buNone/>
+            </a:pPr>
+            <a:r>
+              <a:rPr lang="ko-KR" altLang="en-US" sz="1800" dirty="0">
+                <a:effectLst/>
+                <a:highlight>
+                  <a:srgbClr val="EFEFEF"/>
+                </a:highlight>
+                <a:latin typeface="Consolas" panose="020B0609020204030204" pitchFamily="49" charset="0"/>
+              </a:rPr>
+              <a:t>    </a:t>
+            </a:r>
+            <a:r>
+              <a:rPr lang="en" altLang="ko-Kore-KR" sz="1800" dirty="0">
+                <a:effectLst/>
+                <a:highlight>
+                  <a:srgbClr val="EFEFEF"/>
+                </a:highlight>
+                <a:latin typeface="Consolas" panose="020B0609020204030204" pitchFamily="49" charset="0"/>
+              </a:rPr>
+              <a:t>if(empty(q)) </a:t>
+            </a:r>
+            <a:r>
+              <a:rPr lang="en" altLang="ko-Kore-KR" sz="1800" dirty="0" err="1">
+                <a:effectLst/>
+                <a:highlight>
+                  <a:srgbClr val="EFEFEF"/>
+                </a:highlight>
+                <a:latin typeface="Consolas" panose="020B0609020204030204" pitchFamily="49" charset="0"/>
+              </a:rPr>
+              <a:t>cout</a:t>
+            </a:r>
+            <a:r>
+              <a:rPr lang="en" altLang="ko-Kore-KR" sz="1800" dirty="0">
+                <a:effectLst/>
+                <a:highlight>
+                  <a:srgbClr val="EFEFEF"/>
+                </a:highlight>
+                <a:latin typeface="Consolas" panose="020B0609020204030204" pitchFamily="49" charset="0"/>
+              </a:rPr>
+              <a:t> &lt;&lt; </a:t>
+            </a:r>
+            <a:r>
+              <a:rPr lang="en" altLang="ko-Kore-KR" sz="1800" dirty="0" err="1">
+                <a:effectLst/>
+                <a:highlight>
+                  <a:srgbClr val="EFEFEF"/>
+                </a:highlight>
+                <a:latin typeface="Consolas" panose="020B0609020204030204" pitchFamily="49" charset="0"/>
+              </a:rPr>
+              <a:t>endl</a:t>
+            </a:r>
+            <a:r>
+              <a:rPr lang="en" altLang="ko-Kore-KR" sz="1800" dirty="0">
+                <a:effectLst/>
+                <a:highlight>
+                  <a:srgbClr val="EFEFEF"/>
+                </a:highlight>
+                <a:latin typeface="Consolas" panose="020B0609020204030204" pitchFamily="49" charset="0"/>
+              </a:rPr>
+              <a:t> &lt;&lt; "Empty Queue" &lt;&lt; </a:t>
+            </a:r>
+            <a:r>
+              <a:rPr lang="en" altLang="ko-Kore-KR" sz="1800" dirty="0" err="1">
+                <a:effectLst/>
+                <a:highlight>
+                  <a:srgbClr val="EFEFEF"/>
+                </a:highlight>
+                <a:latin typeface="Consolas" panose="020B0609020204030204" pitchFamily="49" charset="0"/>
+              </a:rPr>
+              <a:t>endl</a:t>
+            </a:r>
+            <a:r>
+              <a:rPr lang="en" altLang="ko-Kore-KR" sz="1800" dirty="0">
+                <a:effectLst/>
+                <a:highlight>
+                  <a:srgbClr val="EFEFEF"/>
+                </a:highlight>
+                <a:latin typeface="Consolas" panose="020B0609020204030204" pitchFamily="49" charset="0"/>
+              </a:rPr>
+              <a:t>; </a:t>
+            </a:r>
+          </a:p>
+          <a:p>
+            <a:pPr marL="0" indent="0">
+              <a:buNone/>
+            </a:pPr>
+            <a:r>
+              <a:rPr lang="ko-KR" altLang="en-US" sz="1800" dirty="0">
+                <a:effectLst/>
+                <a:highlight>
+                  <a:srgbClr val="EFEFEF"/>
+                </a:highlight>
+                <a:latin typeface="Consolas" panose="020B0609020204030204" pitchFamily="49" charset="0"/>
+              </a:rPr>
+              <a:t>    </a:t>
+            </a:r>
+            <a:r>
+              <a:rPr lang="en" altLang="ko-Kore-KR" sz="1800" dirty="0">
+                <a:effectLst/>
+                <a:highlight>
+                  <a:srgbClr val="EFEFEF"/>
+                </a:highlight>
+                <a:latin typeface="Consolas" panose="020B0609020204030204" pitchFamily="49" charset="0"/>
+              </a:rPr>
+              <a:t>else {</a:t>
+            </a:r>
+            <a:br>
+              <a:rPr lang="en" altLang="ko-Kore-KR" sz="1800" dirty="0">
+                <a:effectLst/>
+                <a:highlight>
+                  <a:srgbClr val="EFEFEF"/>
+                </a:highlight>
+                <a:latin typeface="Consolas" panose="020B0609020204030204" pitchFamily="49" charset="0"/>
+              </a:rPr>
+            </a:br>
+            <a:r>
+              <a:rPr lang="ko-KR" altLang="en-US" sz="1800" dirty="0">
+                <a:effectLst/>
+                <a:highlight>
+                  <a:srgbClr val="EFEFEF"/>
+                </a:highlight>
+                <a:latin typeface="Consolas" panose="020B0609020204030204" pitchFamily="49" charset="0"/>
+              </a:rPr>
+              <a:t>        </a:t>
+            </a:r>
+            <a:r>
+              <a:rPr lang="en" altLang="ko-Kore-KR" sz="1800" dirty="0" err="1">
+                <a:effectLst/>
+                <a:highlight>
+                  <a:srgbClr val="EFEFEF"/>
+                </a:highlight>
+                <a:latin typeface="Consolas" panose="020B0609020204030204" pitchFamily="49" charset="0"/>
+              </a:rPr>
+              <a:t>cout</a:t>
+            </a:r>
+            <a:r>
+              <a:rPr lang="en" altLang="ko-Kore-KR" sz="1800" dirty="0">
+                <a:effectLst/>
+                <a:highlight>
+                  <a:srgbClr val="EFEFEF"/>
+                </a:highlight>
+                <a:latin typeface="Consolas" panose="020B0609020204030204" pitchFamily="49" charset="0"/>
+              </a:rPr>
+              <a:t> &lt;&lt; "Front[" &lt;&lt; q-&gt;front &lt;&lt; "], Rear["&lt;&lt; q-&gt;rear &lt;&lt; "]\n"; </a:t>
+            </a:r>
+          </a:p>
+          <a:p>
+            <a:pPr marL="0" indent="0">
+              <a:buNone/>
+            </a:pPr>
+            <a:r>
+              <a:rPr lang="ko-KR" altLang="en-US" sz="1800" dirty="0">
+                <a:effectLst/>
+                <a:highlight>
+                  <a:srgbClr val="EFEFEF"/>
+                </a:highlight>
+                <a:latin typeface="Consolas" panose="020B0609020204030204" pitchFamily="49" charset="0"/>
+              </a:rPr>
+              <a:t>        </a:t>
+            </a:r>
+            <a:r>
+              <a:rPr lang="en" altLang="ko-Kore-KR" sz="1800" dirty="0" err="1">
+                <a:effectLst/>
+                <a:highlight>
+                  <a:srgbClr val="EFEFEF"/>
+                </a:highlight>
+                <a:latin typeface="Consolas" panose="020B0609020204030204" pitchFamily="49" charset="0"/>
+              </a:rPr>
+              <a:t>cout</a:t>
+            </a:r>
+            <a:r>
+              <a:rPr lang="en" altLang="ko-Kore-KR" sz="1800" dirty="0">
+                <a:effectLst/>
+                <a:highlight>
+                  <a:srgbClr val="EFEFEF"/>
+                </a:highlight>
+                <a:latin typeface="Consolas" panose="020B0609020204030204" pitchFamily="49" charset="0"/>
+              </a:rPr>
+              <a:t> &lt;&lt; "Items[ ";</a:t>
+            </a:r>
+          </a:p>
+          <a:p>
+            <a:pPr marL="0" indent="0">
+              <a:buNone/>
+            </a:pPr>
+            <a:br>
+              <a:rPr lang="en" altLang="ko-Kore-KR" sz="1800" dirty="0">
+                <a:effectLst/>
+                <a:highlight>
+                  <a:srgbClr val="EFEFEF"/>
+                </a:highlight>
+                <a:latin typeface="Consolas" panose="020B0609020204030204" pitchFamily="49" charset="0"/>
+              </a:rPr>
+            </a:br>
+            <a:r>
+              <a:rPr lang="ko-KR" altLang="en-US" sz="1800" dirty="0">
+                <a:effectLst/>
+                <a:highlight>
+                  <a:srgbClr val="EFEFEF"/>
+                </a:highlight>
+                <a:latin typeface="Consolas" panose="020B0609020204030204" pitchFamily="49" charset="0"/>
+              </a:rPr>
+              <a:t>        </a:t>
+            </a:r>
+            <a:r>
+              <a:rPr lang="en" altLang="ko-Kore-KR" sz="1800" dirty="0">
+                <a:effectLst/>
+                <a:highlight>
+                  <a:srgbClr val="EFEFEF"/>
+                </a:highlight>
+                <a:latin typeface="Consolas" panose="020B0609020204030204" pitchFamily="49" charset="0"/>
+              </a:rPr>
+              <a:t>for(</a:t>
+            </a:r>
+            <a:r>
+              <a:rPr lang="en" altLang="ko-Kore-KR" sz="1800" dirty="0" err="1">
+                <a:effectLst/>
+                <a:highlight>
+                  <a:srgbClr val="EFEFEF"/>
+                </a:highlight>
+                <a:latin typeface="Consolas" panose="020B0609020204030204" pitchFamily="49" charset="0"/>
+              </a:rPr>
+              <a:t>i</a:t>
+            </a:r>
+            <a:r>
+              <a:rPr lang="en" altLang="ko-Kore-KR" sz="1800" dirty="0">
+                <a:effectLst/>
+                <a:highlight>
+                  <a:srgbClr val="EFEFEF"/>
+                </a:highlight>
+                <a:latin typeface="Consolas" panose="020B0609020204030204" pitchFamily="49" charset="0"/>
+              </a:rPr>
+              <a:t> = q-&gt;front; </a:t>
+            </a:r>
+            <a:r>
+              <a:rPr lang="en" altLang="ko-Kore-KR" sz="1800" dirty="0" err="1">
+                <a:effectLst/>
+                <a:highlight>
+                  <a:srgbClr val="EFEFEF"/>
+                </a:highlight>
+                <a:latin typeface="Consolas" panose="020B0609020204030204" pitchFamily="49" charset="0"/>
+              </a:rPr>
+              <a:t>i</a:t>
+            </a:r>
+            <a:r>
+              <a:rPr lang="en" altLang="ko-Kore-KR" sz="1800" dirty="0">
+                <a:effectLst/>
+                <a:highlight>
+                  <a:srgbClr val="EFEFEF"/>
+                </a:highlight>
+                <a:latin typeface="Consolas" panose="020B0609020204030204" pitchFamily="49" charset="0"/>
+              </a:rPr>
+              <a:t> </a:t>
+            </a:r>
+            <a:r>
+              <a:rPr lang="en-US" altLang="ko-KR" sz="1800" dirty="0">
+                <a:effectLst/>
+                <a:highlight>
+                  <a:srgbClr val="EFEFEF"/>
+                </a:highlight>
+                <a:latin typeface="Consolas" panose="020B0609020204030204" pitchFamily="49" charset="0"/>
+              </a:rPr>
+              <a:t>&lt;</a:t>
+            </a:r>
+            <a:r>
+              <a:rPr lang="en" altLang="ko-Kore-KR" sz="1800" dirty="0">
+                <a:effectLst/>
+                <a:highlight>
+                  <a:srgbClr val="EFEFEF"/>
+                </a:highlight>
+                <a:latin typeface="Consolas" panose="020B0609020204030204" pitchFamily="49" charset="0"/>
+              </a:rPr>
+              <a:t>= q-&gt;rear; </a:t>
+            </a:r>
+            <a:r>
+              <a:rPr lang="en" altLang="ko-Kore-KR" sz="1800" dirty="0" err="1">
+                <a:effectLst/>
+                <a:highlight>
+                  <a:srgbClr val="EFEFEF"/>
+                </a:highlight>
+                <a:latin typeface="Consolas" panose="020B0609020204030204" pitchFamily="49" charset="0"/>
+              </a:rPr>
+              <a:t>i</a:t>
+            </a:r>
+            <a:r>
+              <a:rPr lang="en" altLang="ko-Kore-KR" sz="1800" dirty="0">
+                <a:effectLst/>
+                <a:highlight>
+                  <a:srgbClr val="EFEFEF"/>
+                </a:highlight>
+                <a:latin typeface="Consolas" panose="020B0609020204030204" pitchFamily="49" charset="0"/>
+              </a:rPr>
+              <a:t> = </a:t>
+            </a:r>
+            <a:r>
+              <a:rPr lang="en" altLang="ko-Kore-KR" sz="1800" dirty="0" err="1">
+                <a:effectLst/>
+                <a:highlight>
+                  <a:srgbClr val="EFEFEF"/>
+                </a:highlight>
+                <a:latin typeface="Consolas" panose="020B0609020204030204" pitchFamily="49" charset="0"/>
+              </a:rPr>
+              <a:t>i</a:t>
+            </a:r>
+            <a:r>
+              <a:rPr lang="en" altLang="ko-Kore-KR" sz="1800" dirty="0">
+                <a:effectLst/>
+                <a:highlight>
+                  <a:srgbClr val="EFEFEF"/>
+                </a:highlight>
+                <a:latin typeface="Consolas" panose="020B0609020204030204" pitchFamily="49" charset="0"/>
+              </a:rPr>
+              <a:t> + 1) </a:t>
+            </a:r>
+            <a:endParaRPr lang="en" altLang="ko-Kore-KR" dirty="0">
+              <a:effectLst/>
+              <a:highlight>
+                <a:srgbClr val="EFEFEF"/>
+              </a:highlight>
+            </a:endParaRPr>
+          </a:p>
+          <a:p>
+            <a:pPr marL="0" indent="0">
+              <a:buNone/>
+            </a:pPr>
+            <a:r>
+              <a:rPr lang="ko-KR" altLang="en-US" sz="1800" dirty="0">
+                <a:effectLst/>
+                <a:highlight>
+                  <a:srgbClr val="EFEFEF"/>
+                </a:highlight>
+                <a:latin typeface="Consolas" panose="020B0609020204030204" pitchFamily="49" charset="0"/>
+              </a:rPr>
+              <a:t>            </a:t>
+            </a:r>
+            <a:r>
+              <a:rPr lang="en" altLang="ko-Kore-KR" sz="1800" dirty="0" err="1">
+                <a:effectLst/>
+                <a:highlight>
+                  <a:srgbClr val="EFEFEF"/>
+                </a:highlight>
+                <a:latin typeface="Consolas" panose="020B0609020204030204" pitchFamily="49" charset="0"/>
+              </a:rPr>
+              <a:t>cout</a:t>
+            </a:r>
+            <a:r>
+              <a:rPr lang="en" altLang="ko-Kore-KR" sz="1800" dirty="0">
+                <a:effectLst/>
+                <a:highlight>
+                  <a:srgbClr val="EFEFEF"/>
+                </a:highlight>
+                <a:latin typeface="Consolas" panose="020B0609020204030204" pitchFamily="49" charset="0"/>
+              </a:rPr>
+              <a:t> &lt;&lt; q-&gt;items[</a:t>
+            </a:r>
+            <a:r>
+              <a:rPr lang="en" altLang="ko-Kore-KR" sz="1800" dirty="0" err="1">
+                <a:effectLst/>
+                <a:highlight>
+                  <a:srgbClr val="EFEFEF"/>
+                </a:highlight>
+                <a:latin typeface="Consolas" panose="020B0609020204030204" pitchFamily="49" charset="0"/>
+              </a:rPr>
+              <a:t>i</a:t>
+            </a:r>
+            <a:r>
+              <a:rPr lang="en" altLang="ko-Kore-KR" sz="1800" dirty="0">
+                <a:effectLst/>
+                <a:highlight>
+                  <a:srgbClr val="EFEFEF"/>
+                </a:highlight>
+                <a:latin typeface="Consolas" panose="020B0609020204030204" pitchFamily="49" charset="0"/>
+              </a:rPr>
+              <a:t>] &lt;&lt; ' ‘; </a:t>
+            </a:r>
+          </a:p>
+          <a:p>
+            <a:pPr marL="0" indent="0">
+              <a:buNone/>
+            </a:pPr>
+            <a:r>
+              <a:rPr lang="ko-KR" altLang="en-US" sz="1800" dirty="0">
+                <a:highlight>
+                  <a:srgbClr val="EFEFEF"/>
+                </a:highlight>
+                <a:latin typeface="Consolas" panose="020B0609020204030204" pitchFamily="49" charset="0"/>
+              </a:rPr>
+              <a:t>        </a:t>
+            </a:r>
+            <a:r>
+              <a:rPr lang="en" altLang="ko-Kore-KR" sz="1800" dirty="0" err="1">
+                <a:effectLst/>
+                <a:highlight>
+                  <a:srgbClr val="EFEFEF"/>
+                </a:highlight>
+                <a:latin typeface="Consolas" panose="020B0609020204030204" pitchFamily="49" charset="0"/>
+              </a:rPr>
+              <a:t>cout</a:t>
+            </a:r>
+            <a:r>
+              <a:rPr lang="en" altLang="ko-Kore-KR" sz="1800" dirty="0">
+                <a:effectLst/>
+                <a:highlight>
+                  <a:srgbClr val="EFEFEF"/>
+                </a:highlight>
+                <a:latin typeface="Consolas" panose="020B0609020204030204" pitchFamily="49" charset="0"/>
+              </a:rPr>
+              <a:t> &lt;&lt; q-&gt;items[</a:t>
+            </a:r>
+            <a:r>
+              <a:rPr lang="en" altLang="ko-Kore-KR" sz="1800" dirty="0" err="1">
+                <a:effectLst/>
+                <a:highlight>
+                  <a:srgbClr val="EFEFEF"/>
+                </a:highlight>
+                <a:latin typeface="Consolas" panose="020B0609020204030204" pitchFamily="49" charset="0"/>
+              </a:rPr>
+              <a:t>i</a:t>
+            </a:r>
+            <a:r>
+              <a:rPr lang="en" altLang="ko-Kore-KR" sz="1800" dirty="0">
+                <a:effectLst/>
+                <a:highlight>
+                  <a:srgbClr val="EFEFEF"/>
+                </a:highlight>
+                <a:latin typeface="Consolas" panose="020B0609020204030204" pitchFamily="49" charset="0"/>
+              </a:rPr>
+              <a:t>]; </a:t>
+            </a:r>
+          </a:p>
+          <a:p>
+            <a:pPr marL="0" indent="0">
+              <a:buNone/>
+            </a:pPr>
+            <a:r>
+              <a:rPr lang="ko-KR" altLang="en-US" sz="1800" dirty="0">
+                <a:highlight>
+                  <a:srgbClr val="EFEFEF"/>
+                </a:highlight>
+                <a:latin typeface="Consolas" panose="020B0609020204030204" pitchFamily="49" charset="0"/>
+              </a:rPr>
+              <a:t>        </a:t>
+            </a:r>
+            <a:r>
+              <a:rPr lang="en" altLang="ko-Kore-KR" sz="1800" dirty="0" err="1">
+                <a:effectLst/>
+                <a:highlight>
+                  <a:srgbClr val="EFEFEF"/>
+                </a:highlight>
+                <a:latin typeface="Consolas" panose="020B0609020204030204" pitchFamily="49" charset="0"/>
+              </a:rPr>
+              <a:t>cout</a:t>
+            </a:r>
+            <a:r>
+              <a:rPr lang="en" altLang="ko-Kore-KR" sz="1800" dirty="0">
+                <a:effectLst/>
+                <a:highlight>
+                  <a:srgbClr val="EFEFEF"/>
+                </a:highlight>
+                <a:latin typeface="Consolas" panose="020B0609020204030204" pitchFamily="49" charset="0"/>
+              </a:rPr>
+              <a:t> &lt;&lt; "]\n"; </a:t>
+            </a:r>
+          </a:p>
+          <a:p>
+            <a:pPr marL="0" indent="0">
+              <a:buNone/>
+            </a:pPr>
+            <a:r>
+              <a:rPr lang="ko-KR" altLang="en-US" sz="1800" dirty="0">
+                <a:highlight>
+                  <a:srgbClr val="EFEFEF"/>
+                </a:highlight>
+                <a:latin typeface="Consolas" panose="020B0609020204030204" pitchFamily="49" charset="0"/>
+              </a:rPr>
+              <a:t>        </a:t>
+            </a:r>
+            <a:endParaRPr lang="en" altLang="ko-Kore-KR" sz="1800" dirty="0">
+              <a:effectLst/>
+              <a:highlight>
+                <a:srgbClr val="EFEFEF"/>
+              </a:highlight>
+              <a:latin typeface="Consolas" panose="020B0609020204030204" pitchFamily="49" charset="0"/>
+            </a:endParaRPr>
+          </a:p>
+          <a:p>
+            <a:pPr marL="0" indent="0">
+              <a:buNone/>
+            </a:pPr>
+            <a:r>
+              <a:rPr lang="ko-KR" altLang="en-US" sz="1800" dirty="0">
+                <a:highlight>
+                  <a:srgbClr val="EFEFEF"/>
+                </a:highlight>
+                <a:latin typeface="Consolas" panose="020B0609020204030204" pitchFamily="49" charset="0"/>
+              </a:rPr>
+              <a:t>    </a:t>
+            </a:r>
+            <a:r>
+              <a:rPr lang="en" altLang="ko-Kore-KR" sz="1800" dirty="0">
+                <a:effectLst/>
+                <a:highlight>
+                  <a:srgbClr val="EFEFEF"/>
+                </a:highlight>
+                <a:latin typeface="Consolas" panose="020B0609020204030204" pitchFamily="49" charset="0"/>
+              </a:rPr>
+              <a:t>} </a:t>
+            </a:r>
+          </a:p>
+          <a:p>
+            <a:pPr marL="0" indent="0">
+              <a:buNone/>
+            </a:pPr>
+            <a:r>
+              <a:rPr lang="en" altLang="ko-Kore-KR" sz="1800" dirty="0">
+                <a:effectLst/>
+                <a:highlight>
+                  <a:srgbClr val="EFEFEF"/>
+                </a:highlight>
+                <a:latin typeface="Consolas" panose="020B0609020204030204" pitchFamily="49" charset="0"/>
+              </a:rPr>
+              <a:t>}</a:t>
+            </a:r>
+            <a:r>
+              <a:rPr lang="en-US" altLang="ko-KR" sz="1800" dirty="0">
+                <a:effectLst/>
+                <a:highlight>
+                  <a:srgbClr val="EFEFEF"/>
+                </a:highlight>
+                <a:latin typeface="Consolas" panose="020B0609020204030204" pitchFamily="49" charset="0"/>
+              </a:rPr>
+              <a:t> </a:t>
+            </a:r>
+            <a:endParaRPr lang="en" altLang="ko-Kore-KR" dirty="0">
+              <a:effectLst/>
+              <a:highlight>
+                <a:srgbClr val="EFEFEF"/>
+              </a:highlight>
+            </a:endParaRPr>
+          </a:p>
+          <a:p>
+            <a:endParaRPr kumimoji="1" lang="ko-Kore-KR" altLang="en-US" dirty="0"/>
+          </a:p>
+        </p:txBody>
+      </p:sp>
+      <p:sp>
+        <p:nvSpPr>
+          <p:cNvPr id="4" name="슬라이드 번호 개체 틀 3">
+            <a:extLst>
+              <a:ext uri="{FF2B5EF4-FFF2-40B4-BE49-F238E27FC236}">
+                <a16:creationId xmlns:a16="http://schemas.microsoft.com/office/drawing/2014/main" id="{68BAF295-DBB2-E638-350F-B966D2FE97FA}"/>
+              </a:ext>
+            </a:extLst>
+          </p:cNvPr>
+          <p:cNvSpPr>
+            <a:spLocks noGrp="1"/>
+          </p:cNvSpPr>
+          <p:nvPr>
+            <p:ph type="sldNum" sz="quarter" idx="12"/>
+          </p:nvPr>
+        </p:nvSpPr>
+        <p:spPr/>
+        <p:txBody>
+          <a:bodyPr/>
+          <a:lstStyle/>
+          <a:p>
+            <a:fld id="{5292DF6F-3DA5-4765-A844-0D90919D9092}" type="slidenum">
+              <a:rPr lang="en-US" altLang="ko-KR" smtClean="0"/>
+              <a:pPr/>
+              <a:t>3</a:t>
+            </a:fld>
+            <a:endParaRPr lang="en-US" altLang="ko-KR"/>
+          </a:p>
+        </p:txBody>
+      </p:sp>
+    </p:spTree>
+    <p:extLst>
+      <p:ext uri="{BB962C8B-B14F-4D97-AF65-F5344CB8AC3E}">
+        <p14:creationId xmlns:p14="http://schemas.microsoft.com/office/powerpoint/2010/main" val="2768695503"/>
       </p:ext>
     </p:extLst>
   </p:cSld>

--- a/ppts/3-2.1_Queue Quiz.pptx
+++ b/ppts/3-2.1_Queue Quiz.pptx
@@ -5,15 +5,14 @@
     <p:sldMasterId id="2147483675" r:id="rId1"/>
   </p:sldMasterIdLst>
   <p:notesMasterIdLst>
-    <p:notesMasterId r:id="rId5"/>
+    <p:notesMasterId r:id="rId4"/>
   </p:notesMasterIdLst>
   <p:handoutMasterIdLst>
-    <p:handoutMasterId r:id="rId6"/>
+    <p:handoutMasterId r:id="rId5"/>
   </p:handoutMasterIdLst>
   <p:sldIdLst>
     <p:sldId id="739" r:id="rId2"/>
     <p:sldId id="741" r:id="rId3"/>
-    <p:sldId id="742" r:id="rId4"/>
   </p:sldIdLst>
   <p:sldSz cx="13004800" cy="7315200"/>
   <p:notesSz cx="6858000" cy="9144000"/>
@@ -431,7 +430,7 @@
           <a:p>
             <a:fld id="{A9ADF8C7-AEDF-43D6-9DAF-DECAC1AD2E30}" type="datetimeFigureOut">
               <a:rPr lang="ko-KR" altLang="en-US" smtClean="0"/>
-              <a:t>2024. 3. 30.</a:t>
+              <a:t>2024. 4. 3.</a:t>
             </a:fld>
             <a:endParaRPr lang="ko-KR" altLang="en-US"/>
           </a:p>
@@ -3501,7 +3500,7 @@
           <a:p>
             <a:fld id="{AC778754-33AA-481A-B885-58843B94B2EC}" type="datetime1">
               <a:rPr lang="ko-KR" altLang="en-US" smtClean="0"/>
-              <a:t>2024. 3. 30.</a:t>
+              <a:t>2024. 4. 3.</a:t>
             </a:fld>
             <a:endParaRPr lang="ko-KR" altLang="en-US" dirty="0"/>
           </a:p>
@@ -4199,10 +4198,10 @@
         </p:nvGrpSpPr>
         <p:grpSpPr>
           <a:xfrm>
-            <a:off x="4114996" y="2474144"/>
-            <a:ext cx="2898194" cy="1261820"/>
-            <a:chOff x="6612825" y="5451814"/>
-            <a:chExt cx="2898194" cy="1261820"/>
+            <a:off x="4155690" y="2474144"/>
+            <a:ext cx="2857500" cy="1261820"/>
+            <a:chOff x="6653519" y="5451814"/>
+            <a:chExt cx="2857500" cy="1261820"/>
           </a:xfrm>
         </p:grpSpPr>
         <p:grpSp>
@@ -4286,7 +4285,7 @@
                     </a:solidFill>
                     <a:latin typeface="Consolas" panose="020B0609020204030204" pitchFamily="49" charset="0"/>
                   </a:rPr>
-                  <a:t>30</a:t>
+                  <a:t>25</a:t>
                 </a:r>
                 <a:endParaRPr lang="ko-KR" altLang="en-US" sz="2000" dirty="0">
                   <a:solidFill>
@@ -4312,204 +4311,6 @@
             <p:spPr>
               <a:xfrm>
                 <a:off x="6702136" y="5868782"/>
-                <a:ext cx="571500" cy="571500"/>
-              </a:xfrm>
-              <a:prstGeom prst="rect">
-                <a:avLst/>
-              </a:prstGeom>
-              <a:solidFill>
-                <a:schemeClr val="bg1">
-                  <a:lumMod val="95000"/>
-                </a:schemeClr>
-              </a:solidFill>
-              <a:ln w="3175">
-                <a:solidFill>
-                  <a:schemeClr val="bg1">
-                    <a:lumMod val="65000"/>
-                  </a:schemeClr>
-                </a:solidFill>
-              </a:ln>
-            </p:spPr>
-            <p:style>
-              <a:lnRef idx="2">
-                <a:schemeClr val="accent1">
-                  <a:shade val="50000"/>
-                </a:schemeClr>
-              </a:lnRef>
-              <a:fillRef idx="1">
-                <a:schemeClr val="accent1"/>
-              </a:fillRef>
-              <a:effectRef idx="0">
-                <a:schemeClr val="accent1"/>
-              </a:effectRef>
-              <a:fontRef idx="minor">
-                <a:schemeClr val="lt1"/>
-              </a:fontRef>
-            </p:style>
-            <p:txBody>
-              <a:bodyPr rtlCol="0" anchor="ctr"/>
-              <a:lstStyle/>
-              <a:p>
-                <a:pPr algn="ctr"/>
-                <a:endParaRPr lang="ko-KR" altLang="en-US" sz="2000" dirty="0">
-                  <a:solidFill>
-                    <a:schemeClr val="tx1"/>
-                  </a:solidFill>
-                  <a:latin typeface="Consolas" panose="020B0609020204030204" pitchFamily="49" charset="0"/>
-                </a:endParaRPr>
-              </a:p>
-            </p:txBody>
-          </p:sp>
-          <p:sp>
-            <p:nvSpPr>
-              <p:cNvPr id="34" name="직사각형 33">
-                <a:extLst>
-                  <a:ext uri="{FF2B5EF4-FFF2-40B4-BE49-F238E27FC236}">
-                    <a16:creationId xmlns:a16="http://schemas.microsoft.com/office/drawing/2014/main" id="{6AB5A495-B7BD-3672-2515-4B4E09FA7536}"/>
-                  </a:ext>
-                </a:extLst>
-              </p:cNvPr>
-              <p:cNvSpPr/>
-              <p:nvPr/>
-            </p:nvSpPr>
-            <p:spPr>
-              <a:xfrm>
-                <a:off x="7273636" y="5868782"/>
-                <a:ext cx="571500" cy="571500"/>
-              </a:xfrm>
-              <a:prstGeom prst="rect">
-                <a:avLst/>
-              </a:prstGeom>
-              <a:solidFill>
-                <a:schemeClr val="bg1">
-                  <a:lumMod val="95000"/>
-                </a:schemeClr>
-              </a:solidFill>
-              <a:ln w="3175">
-                <a:solidFill>
-                  <a:schemeClr val="bg1">
-                    <a:lumMod val="65000"/>
-                  </a:schemeClr>
-                </a:solidFill>
-              </a:ln>
-            </p:spPr>
-            <p:style>
-              <a:lnRef idx="2">
-                <a:schemeClr val="accent1">
-                  <a:shade val="50000"/>
-                </a:schemeClr>
-              </a:lnRef>
-              <a:fillRef idx="1">
-                <a:schemeClr val="accent1"/>
-              </a:fillRef>
-              <a:effectRef idx="0">
-                <a:schemeClr val="accent1"/>
-              </a:effectRef>
-              <a:fontRef idx="minor">
-                <a:schemeClr val="lt1"/>
-              </a:fontRef>
-            </p:style>
-            <p:txBody>
-              <a:bodyPr rtlCol="0" anchor="ctr"/>
-              <a:lstStyle/>
-              <a:p>
-                <a:pPr algn="ctr"/>
-                <a:endParaRPr lang="ko-KR" altLang="en-US" sz="2000" dirty="0">
-                  <a:solidFill>
-                    <a:schemeClr val="tx1"/>
-                  </a:solidFill>
-                  <a:latin typeface="Consolas" panose="020B0609020204030204" pitchFamily="49" charset="0"/>
-                </a:endParaRPr>
-              </a:p>
-            </p:txBody>
-          </p:sp>
-          <p:sp>
-            <p:nvSpPr>
-              <p:cNvPr id="35" name="직사각형 34">
-                <a:extLst>
-                  <a:ext uri="{FF2B5EF4-FFF2-40B4-BE49-F238E27FC236}">
-                    <a16:creationId xmlns:a16="http://schemas.microsoft.com/office/drawing/2014/main" id="{D03BE221-B6E4-5D8C-1CA7-B15839063C4C}"/>
-                  </a:ext>
-                </a:extLst>
-              </p:cNvPr>
-              <p:cNvSpPr/>
-              <p:nvPr/>
-            </p:nvSpPr>
-            <p:spPr>
-              <a:xfrm>
-                <a:off x="4987636" y="5868782"/>
-                <a:ext cx="571500" cy="571500"/>
-              </a:xfrm>
-              <a:prstGeom prst="rect">
-                <a:avLst/>
-              </a:prstGeom>
-              <a:solidFill>
-                <a:schemeClr val="bg1">
-                  <a:lumMod val="95000"/>
-                </a:schemeClr>
-              </a:solidFill>
-              <a:ln w="3175">
-                <a:solidFill>
-                  <a:schemeClr val="bg1">
-                    <a:lumMod val="65000"/>
-                  </a:schemeClr>
-                </a:solidFill>
-              </a:ln>
-            </p:spPr>
-            <p:style>
-              <a:lnRef idx="2">
-                <a:schemeClr val="accent1">
-                  <a:shade val="50000"/>
-                </a:schemeClr>
-              </a:lnRef>
-              <a:fillRef idx="1">
-                <a:schemeClr val="accent1"/>
-              </a:fillRef>
-              <a:effectRef idx="0">
-                <a:schemeClr val="accent1"/>
-              </a:effectRef>
-              <a:fontRef idx="minor">
-                <a:schemeClr val="lt1"/>
-              </a:fontRef>
-            </p:style>
-            <p:txBody>
-              <a:bodyPr rtlCol="0" anchor="ctr"/>
-              <a:lstStyle/>
-              <a:p>
-                <a:pPr algn="ctr"/>
-                <a:r>
-                  <a:rPr lang="en-US" altLang="ko-KR" sz="2000" dirty="0">
-                    <a:solidFill>
-                      <a:srgbClr val="C00000"/>
-                    </a:solidFill>
-                    <a:latin typeface="Consolas" panose="020B0609020204030204" pitchFamily="49" charset="0"/>
-                  </a:rPr>
-                  <a:t>25</a:t>
-                </a:r>
-                <a:endParaRPr lang="ko-KR" altLang="en-US" sz="2000" dirty="0">
-                  <a:solidFill>
-                    <a:srgbClr val="C00000"/>
-                  </a:solidFill>
-                  <a:latin typeface="Consolas" panose="020B0609020204030204" pitchFamily="49" charset="0"/>
-                </a:endParaRPr>
-              </a:p>
-            </p:txBody>
-          </p:sp>
-          <p:sp>
-            <p:nvSpPr>
-              <p:cNvPr id="36" name="직사각형 35">
-                <a:extLst>
-                  <a:ext uri="{FF2B5EF4-FFF2-40B4-BE49-F238E27FC236}">
-                    <a16:creationId xmlns:a16="http://schemas.microsoft.com/office/drawing/2014/main" id="{4FE503EF-6280-D4AF-717C-46859079ECD1}"/>
-                  </a:ext>
-                </a:extLst>
-              </p:cNvPr>
-              <p:cNvSpPr/>
-              <p:nvPr/>
-            </p:nvSpPr>
-            <p:spPr>
-              <a:xfrm>
-                <a:off x="5559136" y="5868782"/>
                 <a:ext cx="571500" cy="571500"/>
               </a:xfrm>
               <a:prstGeom prst="rect">
@@ -4567,6 +4368,204 @@
               </a:p>
             </p:txBody>
           </p:sp>
+          <p:sp>
+            <p:nvSpPr>
+              <p:cNvPr id="34" name="직사각형 33">
+                <a:extLst>
+                  <a:ext uri="{FF2B5EF4-FFF2-40B4-BE49-F238E27FC236}">
+                    <a16:creationId xmlns:a16="http://schemas.microsoft.com/office/drawing/2014/main" id="{6AB5A495-B7BD-3672-2515-4B4E09FA7536}"/>
+                  </a:ext>
+                </a:extLst>
+              </p:cNvPr>
+              <p:cNvSpPr/>
+              <p:nvPr/>
+            </p:nvSpPr>
+            <p:spPr>
+              <a:xfrm>
+                <a:off x="7273636" y="5868782"/>
+                <a:ext cx="571500" cy="571500"/>
+              </a:xfrm>
+              <a:prstGeom prst="rect">
+                <a:avLst/>
+              </a:prstGeom>
+              <a:solidFill>
+                <a:schemeClr val="bg1">
+                  <a:lumMod val="95000"/>
+                </a:schemeClr>
+              </a:solidFill>
+              <a:ln w="3175">
+                <a:solidFill>
+                  <a:schemeClr val="bg1">
+                    <a:lumMod val="65000"/>
+                  </a:schemeClr>
+                </a:solidFill>
+              </a:ln>
+            </p:spPr>
+            <p:style>
+              <a:lnRef idx="2">
+                <a:schemeClr val="accent1">
+                  <a:shade val="50000"/>
+                </a:schemeClr>
+              </a:lnRef>
+              <a:fillRef idx="1">
+                <a:schemeClr val="accent1"/>
+              </a:fillRef>
+              <a:effectRef idx="0">
+                <a:schemeClr val="accent1"/>
+              </a:effectRef>
+              <a:fontRef idx="minor">
+                <a:schemeClr val="lt1"/>
+              </a:fontRef>
+            </p:style>
+            <p:txBody>
+              <a:bodyPr rtlCol="0" anchor="ctr"/>
+              <a:lstStyle/>
+              <a:p>
+                <a:pPr algn="ctr"/>
+                <a:r>
+                  <a:rPr lang="en-US" altLang="ko-KR" sz="2000" dirty="0">
+                    <a:solidFill>
+                      <a:schemeClr val="tx1"/>
+                    </a:solidFill>
+                    <a:latin typeface="Consolas" panose="020B0609020204030204" pitchFamily="49" charset="0"/>
+                  </a:rPr>
+                  <a:t>30</a:t>
+                </a:r>
+                <a:endParaRPr lang="ko-KR" altLang="en-US" sz="2000" dirty="0">
+                  <a:solidFill>
+                    <a:schemeClr val="tx1"/>
+                  </a:solidFill>
+                  <a:latin typeface="Consolas" panose="020B0609020204030204" pitchFamily="49" charset="0"/>
+                </a:endParaRPr>
+              </a:p>
+            </p:txBody>
+          </p:sp>
+          <p:sp>
+            <p:nvSpPr>
+              <p:cNvPr id="35" name="직사각형 34">
+                <a:extLst>
+                  <a:ext uri="{FF2B5EF4-FFF2-40B4-BE49-F238E27FC236}">
+                    <a16:creationId xmlns:a16="http://schemas.microsoft.com/office/drawing/2014/main" id="{D03BE221-B6E4-5D8C-1CA7-B15839063C4C}"/>
+                  </a:ext>
+                </a:extLst>
+              </p:cNvPr>
+              <p:cNvSpPr/>
+              <p:nvPr/>
+            </p:nvSpPr>
+            <p:spPr>
+              <a:xfrm>
+                <a:off x="4987636" y="5868782"/>
+                <a:ext cx="571500" cy="571500"/>
+              </a:xfrm>
+              <a:prstGeom prst="rect">
+                <a:avLst/>
+              </a:prstGeom>
+              <a:solidFill>
+                <a:schemeClr val="bg1">
+                  <a:lumMod val="95000"/>
+                </a:schemeClr>
+              </a:solidFill>
+              <a:ln w="3175">
+                <a:solidFill>
+                  <a:schemeClr val="bg1">
+                    <a:lumMod val="65000"/>
+                  </a:schemeClr>
+                </a:solidFill>
+              </a:ln>
+            </p:spPr>
+            <p:style>
+              <a:lnRef idx="2">
+                <a:schemeClr val="accent1">
+                  <a:shade val="50000"/>
+                </a:schemeClr>
+              </a:lnRef>
+              <a:fillRef idx="1">
+                <a:schemeClr val="accent1"/>
+              </a:fillRef>
+              <a:effectRef idx="0">
+                <a:schemeClr val="accent1"/>
+              </a:effectRef>
+              <a:fontRef idx="minor">
+                <a:schemeClr val="lt1"/>
+              </a:fontRef>
+            </p:style>
+            <p:txBody>
+              <a:bodyPr rtlCol="0" anchor="ctr"/>
+              <a:lstStyle/>
+              <a:p>
+                <a:pPr algn="ctr"/>
+                <a:endParaRPr lang="ko-KR" altLang="en-US" sz="2000" dirty="0">
+                  <a:solidFill>
+                    <a:srgbClr val="C00000"/>
+                  </a:solidFill>
+                  <a:latin typeface="Consolas" panose="020B0609020204030204" pitchFamily="49" charset="0"/>
+                </a:endParaRPr>
+              </a:p>
+            </p:txBody>
+          </p:sp>
+          <p:sp>
+            <p:nvSpPr>
+              <p:cNvPr id="36" name="직사각형 35">
+                <a:extLst>
+                  <a:ext uri="{FF2B5EF4-FFF2-40B4-BE49-F238E27FC236}">
+                    <a16:creationId xmlns:a16="http://schemas.microsoft.com/office/drawing/2014/main" id="{4FE503EF-6280-D4AF-717C-46859079ECD1}"/>
+                  </a:ext>
+                </a:extLst>
+              </p:cNvPr>
+              <p:cNvSpPr/>
+              <p:nvPr/>
+            </p:nvSpPr>
+            <p:spPr>
+              <a:xfrm>
+                <a:off x="5559136" y="5868782"/>
+                <a:ext cx="571500" cy="571500"/>
+              </a:xfrm>
+              <a:prstGeom prst="rect">
+                <a:avLst/>
+              </a:prstGeom>
+              <a:solidFill>
+                <a:schemeClr val="bg1">
+                  <a:lumMod val="95000"/>
+                </a:schemeClr>
+              </a:solidFill>
+              <a:ln w="3175">
+                <a:solidFill>
+                  <a:schemeClr val="bg1">
+                    <a:lumMod val="65000"/>
+                  </a:schemeClr>
+                </a:solidFill>
+              </a:ln>
+            </p:spPr>
+            <p:style>
+              <a:lnRef idx="2">
+                <a:schemeClr val="accent1">
+                  <a:shade val="50000"/>
+                </a:schemeClr>
+              </a:lnRef>
+              <a:fillRef idx="1">
+                <a:schemeClr val="accent1"/>
+              </a:fillRef>
+              <a:effectRef idx="0">
+                <a:schemeClr val="accent1"/>
+              </a:effectRef>
+              <a:fontRef idx="minor">
+                <a:schemeClr val="lt1"/>
+              </a:fontRef>
+            </p:style>
+            <p:txBody>
+              <a:bodyPr rtlCol="0" anchor="ctr"/>
+              <a:lstStyle/>
+              <a:p>
+                <a:pPr algn="ctr"/>
+                <a:endParaRPr lang="ko-KR" altLang="en-US" sz="2000" dirty="0">
+                  <a:solidFill>
+                    <a:schemeClr val="tx1"/>
+                  </a:solidFill>
+                  <a:latin typeface="Consolas" panose="020B0609020204030204" pitchFamily="49" charset="0"/>
+                </a:endParaRPr>
+              </a:p>
+            </p:txBody>
+          </p:sp>
         </p:grpSp>
         <p:sp>
           <p:nvSpPr>
@@ -4582,7 +4581,7 @@
           </p:nvSpPr>
           <p:spPr>
             <a:xfrm>
-              <a:off x="6612825" y="5647290"/>
+              <a:off x="7819892" y="5694626"/>
               <a:ext cx="582211" cy="307777"/>
             </a:xfrm>
             <a:prstGeom prst="rect">
@@ -4626,7 +4625,7 @@
           </p:nvSpPr>
           <p:spPr>
             <a:xfrm>
-              <a:off x="7798211" y="5671163"/>
+              <a:off x="8958208" y="5683097"/>
               <a:ext cx="534121" cy="307777"/>
             </a:xfrm>
             <a:prstGeom prst="rect">
@@ -5435,15 +5434,6 @@
               <a:lstStyle/>
               <a:p>
                 <a:pPr algn="ctr"/>
-                <a:r>
-                  <a:rPr lang="en-US" altLang="ko-KR" sz="2000" dirty="0">
-                    <a:solidFill>
-                      <a:schemeClr val="tx1"/>
-                    </a:solidFill>
-                    <a:latin typeface="Consolas" panose="020B0609020204030204" pitchFamily="49" charset="0"/>
-                  </a:rPr>
-                  <a:t>7</a:t>
-                </a:r>
                 <a:endParaRPr lang="ko-KR" altLang="en-US" sz="2000" dirty="0">
                   <a:solidFill>
                     <a:schemeClr val="tx1"/>
@@ -5558,6 +5548,15 @@
               <a:lstStyle/>
               <a:p>
                 <a:pPr algn="ctr"/>
+                <a:r>
+                  <a:rPr lang="en-US" altLang="ko-KR" sz="2000" dirty="0">
+                    <a:solidFill>
+                      <a:schemeClr val="tx1"/>
+                    </a:solidFill>
+                    <a:latin typeface="Consolas" panose="020B0609020204030204" pitchFamily="49" charset="0"/>
+                  </a:rPr>
+                  <a:t>5</a:t>
+                </a:r>
                 <a:endParaRPr lang="ko-KR" altLang="en-US" sz="2000" dirty="0">
                   <a:solidFill>
                     <a:schemeClr val="tx1"/>
@@ -5622,7 +5621,7 @@
                     </a:solidFill>
                     <a:latin typeface="Consolas" panose="020B0609020204030204" pitchFamily="49" charset="0"/>
                   </a:rPr>
-                  <a:t>4</a:t>
+                  <a:t>7</a:t>
                 </a:r>
                 <a:endParaRPr lang="ko-KR" altLang="en-US" sz="2000" dirty="0">
                   <a:solidFill>
@@ -5681,15 +5680,6 @@
               <a:lstStyle/>
               <a:p>
                 <a:pPr algn="ctr"/>
-                <a:r>
-                  <a:rPr lang="en-US" altLang="ko-KR" sz="2000" dirty="0">
-                    <a:solidFill>
-                      <a:schemeClr val="tx1"/>
-                    </a:solidFill>
-                    <a:latin typeface="Consolas" panose="020B0609020204030204" pitchFamily="49" charset="0"/>
-                  </a:rPr>
-                  <a:t>5</a:t>
-                </a:r>
                 <a:endParaRPr lang="ko-KR" altLang="en-US" sz="2000" dirty="0">
                   <a:solidFill>
                     <a:schemeClr val="tx1"/>
@@ -5708,7 +5698,7 @@
           </p:nvSpPr>
           <p:spPr>
             <a:xfrm>
-              <a:off x="6682593" y="5683097"/>
+              <a:off x="8899587" y="5683097"/>
               <a:ext cx="582211" cy="307777"/>
             </a:xfrm>
             <a:prstGeom prst="rect">
@@ -5746,7 +5736,7 @@
           </p:nvSpPr>
           <p:spPr>
             <a:xfrm>
-              <a:off x="7796519" y="5647415"/>
+              <a:off x="6686563" y="5699717"/>
               <a:ext cx="534121" cy="307777"/>
             </a:xfrm>
             <a:prstGeom prst="rect">
@@ -6267,8 +6257,8 @@
         </p:nvSpPr>
         <p:spPr>
           <a:xfrm>
-            <a:off x="9176273" y="2996840"/>
-            <a:ext cx="2983345" cy="2139047"/>
+            <a:off x="9248020" y="2959821"/>
+            <a:ext cx="2983345" cy="2431435"/>
           </a:xfrm>
           <a:prstGeom prst="rect">
             <a:avLst/>
@@ -6341,7 +6331,19 @@
             </a:r>
             <a:r>
               <a:rPr kumimoji="1" lang="ko-KR" altLang="en-US" dirty="0"/>
-              <a:t> 다음 페이지에 있습니다</a:t>
+              <a:t> 코드파일 추가로 첨부하였습니다</a:t>
+            </a:r>
+            <a:r>
+              <a:rPr kumimoji="1" lang="en-US" altLang="ko-KR" dirty="0"/>
+              <a:t> (</a:t>
+            </a:r>
+            <a:r>
+              <a:rPr kumimoji="1" lang="en-US" altLang="ko-KR" dirty="0" err="1"/>
+              <a:t>queue.cpp</a:t>
+            </a:r>
+            <a:r>
+              <a:rPr kumimoji="1" lang="en-US" altLang="ko-KR" dirty="0"/>
+              <a:t>)</a:t>
             </a:r>
             <a:endParaRPr kumimoji="1" lang="en-US" altLang="ko-Kore-KR" dirty="0"/>
           </a:p>
@@ -6351,731 +6353,6 @@
     <p:extLst>
       <p:ext uri="{BB962C8B-B14F-4D97-AF65-F5344CB8AC3E}">
         <p14:creationId xmlns:p14="http://schemas.microsoft.com/office/powerpoint/2010/main" val="1206463664"/>
-      </p:ext>
-    </p:extLst>
-  </p:cSld>
-  <p:clrMapOvr>
-    <a:masterClrMapping/>
-  </p:clrMapOvr>
-</p:sld>
-</file>
-
-<file path=ppt/slides/slide3.xml><?xml version="1.0" encoding="utf-8"?>
-<p:sld xmlns:a="http://schemas.openxmlformats.org/drawingml/2006/main" xmlns:r="http://schemas.openxmlformats.org/officeDocument/2006/relationships" xmlns:p="http://schemas.openxmlformats.org/presentationml/2006/main">
-  <p:cSld>
-    <p:spTree>
-      <p:nvGrpSpPr>
-        <p:cNvPr id="1" name=""/>
-        <p:cNvGrpSpPr/>
-        <p:nvPr/>
-      </p:nvGrpSpPr>
-      <p:grpSpPr>
-        <a:xfrm>
-          <a:off x="0" y="0"/>
-          <a:ext cx="0" cy="0"/>
-          <a:chOff x="0" y="0"/>
-          <a:chExt cx="0" cy="0"/>
-        </a:xfrm>
-      </p:grpSpPr>
-      <p:sp>
-        <p:nvSpPr>
-          <p:cNvPr id="2" name="제목 1">
-            <a:extLst>
-              <a:ext uri="{FF2B5EF4-FFF2-40B4-BE49-F238E27FC236}">
-                <a16:creationId xmlns:a16="http://schemas.microsoft.com/office/drawing/2014/main" id="{13A40431-62E8-8F6A-ECAC-213D8FA89A3E}"/>
-              </a:ext>
-            </a:extLst>
-          </p:cNvPr>
-          <p:cNvSpPr>
-            <a:spLocks noGrp="1"/>
-          </p:cNvSpPr>
-          <p:nvPr>
-            <p:ph type="title"/>
-          </p:nvPr>
-        </p:nvSpPr>
-        <p:spPr/>
-        <p:txBody>
-          <a:bodyPr/>
-          <a:lstStyle/>
-          <a:p>
-            <a:r>
-              <a:rPr kumimoji="1" lang="en-US" altLang="ko-Kore-KR" dirty="0"/>
-              <a:t>Display</a:t>
-            </a:r>
-            <a:r>
-              <a:rPr kumimoji="1" lang="ko-KR" altLang="en-US" dirty="0"/>
-              <a:t> </a:t>
-            </a:r>
-            <a:r>
-              <a:rPr kumimoji="1" lang="en-US" altLang="ko-Kore-KR" dirty="0"/>
-              <a:t>function</a:t>
-            </a:r>
-            <a:endParaRPr kumimoji="1" lang="ko-Kore-KR" altLang="en-US" dirty="0"/>
-          </a:p>
-        </p:txBody>
-      </p:sp>
-      <p:sp>
-        <p:nvSpPr>
-          <p:cNvPr id="3" name="내용 개체 틀 2">
-            <a:extLst>
-              <a:ext uri="{FF2B5EF4-FFF2-40B4-BE49-F238E27FC236}">
-                <a16:creationId xmlns:a16="http://schemas.microsoft.com/office/drawing/2014/main" id="{55A9A743-3DE6-E28A-6151-45D28A9D3BBE}"/>
-              </a:ext>
-            </a:extLst>
-          </p:cNvPr>
-          <p:cNvSpPr>
-            <a:spLocks noGrp="1"/>
-          </p:cNvSpPr>
-          <p:nvPr>
-            <p:ph idx="1"/>
-          </p:nvPr>
-        </p:nvSpPr>
-        <p:spPr/>
-        <p:txBody>
-          <a:bodyPr/>
-          <a:lstStyle/>
-          <a:p>
-            <a:pPr marL="0" indent="0">
-              <a:buNone/>
-            </a:pPr>
-            <a:r>
-              <a:rPr lang="en" altLang="ko-Kore-KR" sz="1800" dirty="0">
-                <a:effectLst/>
-                <a:highlight>
-                  <a:srgbClr val="EFEFEF"/>
-                </a:highlight>
-                <a:latin typeface="Consolas" panose="020B0609020204030204" pitchFamily="49" charset="0"/>
-              </a:rPr>
-              <a:t>void display(queue q) { // display queue status </a:t>
-            </a:r>
-          </a:p>
-          <a:p>
-            <a:pPr marL="0" indent="0">
-              <a:buNone/>
-            </a:pPr>
-            <a:r>
-              <a:rPr lang="ko-KR" altLang="en-US" sz="1800" dirty="0">
-                <a:effectLst/>
-                <a:highlight>
-                  <a:srgbClr val="EFEFEF"/>
-                </a:highlight>
-                <a:latin typeface="Consolas" panose="020B0609020204030204" pitchFamily="49" charset="0"/>
-              </a:rPr>
-              <a:t>    </a:t>
-            </a:r>
-            <a:r>
-              <a:rPr lang="en" altLang="ko-Kore-KR" sz="1800" dirty="0">
-                <a:effectLst/>
-                <a:highlight>
-                  <a:srgbClr val="EFEFEF"/>
-                </a:highlight>
-                <a:latin typeface="Consolas" panose="020B0609020204030204" pitchFamily="49" charset="0"/>
-              </a:rPr>
-              <a:t>int </a:t>
-            </a:r>
-            <a:r>
-              <a:rPr lang="en" altLang="ko-Kore-KR" sz="1800" dirty="0" err="1">
-                <a:effectLst/>
-                <a:highlight>
-                  <a:srgbClr val="EFEFEF"/>
-                </a:highlight>
-                <a:latin typeface="Consolas" panose="020B0609020204030204" pitchFamily="49" charset="0"/>
-              </a:rPr>
-              <a:t>i</a:t>
-            </a:r>
-            <a:r>
-              <a:rPr lang="en" altLang="ko-Kore-KR" sz="1800" dirty="0">
-                <a:effectLst/>
-                <a:highlight>
-                  <a:srgbClr val="EFEFEF"/>
-                </a:highlight>
-                <a:latin typeface="Consolas" panose="020B0609020204030204" pitchFamily="49" charset="0"/>
-              </a:rPr>
-              <a:t>; </a:t>
-            </a:r>
-          </a:p>
-          <a:p>
-            <a:pPr marL="0" indent="0">
-              <a:buNone/>
-            </a:pPr>
-            <a:r>
-              <a:rPr lang="ko-KR" altLang="en-US" sz="1800" dirty="0">
-                <a:effectLst/>
-                <a:highlight>
-                  <a:srgbClr val="EFEFEF"/>
-                </a:highlight>
-                <a:latin typeface="Consolas" panose="020B0609020204030204" pitchFamily="49" charset="0"/>
-              </a:rPr>
-              <a:t>    </a:t>
-            </a:r>
-            <a:r>
-              <a:rPr lang="en" altLang="ko-Kore-KR" sz="1800" dirty="0">
-                <a:effectLst/>
-                <a:highlight>
-                  <a:srgbClr val="EFEFEF"/>
-                </a:highlight>
-                <a:latin typeface="Consolas" panose="020B0609020204030204" pitchFamily="49" charset="0"/>
-              </a:rPr>
-              <a:t>if(empty(q)) </a:t>
-            </a:r>
-            <a:r>
-              <a:rPr lang="en" altLang="ko-Kore-KR" sz="1800" dirty="0" err="1">
-                <a:effectLst/>
-                <a:highlight>
-                  <a:srgbClr val="EFEFEF"/>
-                </a:highlight>
-                <a:latin typeface="Consolas" panose="020B0609020204030204" pitchFamily="49" charset="0"/>
-              </a:rPr>
-              <a:t>cout</a:t>
-            </a:r>
-            <a:r>
-              <a:rPr lang="en" altLang="ko-Kore-KR" sz="1800" dirty="0">
-                <a:effectLst/>
-                <a:highlight>
-                  <a:srgbClr val="EFEFEF"/>
-                </a:highlight>
-                <a:latin typeface="Consolas" panose="020B0609020204030204" pitchFamily="49" charset="0"/>
-              </a:rPr>
-              <a:t> &lt;&lt; </a:t>
-            </a:r>
-            <a:r>
-              <a:rPr lang="en" altLang="ko-Kore-KR" sz="1800" dirty="0" err="1">
-                <a:effectLst/>
-                <a:highlight>
-                  <a:srgbClr val="EFEFEF"/>
-                </a:highlight>
-                <a:latin typeface="Consolas" panose="020B0609020204030204" pitchFamily="49" charset="0"/>
-              </a:rPr>
-              <a:t>endl</a:t>
-            </a:r>
-            <a:r>
-              <a:rPr lang="en" altLang="ko-Kore-KR" sz="1800" dirty="0">
-                <a:effectLst/>
-                <a:highlight>
-                  <a:srgbClr val="EFEFEF"/>
-                </a:highlight>
-                <a:latin typeface="Consolas" panose="020B0609020204030204" pitchFamily="49" charset="0"/>
-              </a:rPr>
-              <a:t> &lt;&lt; "Empty Queue" &lt;&lt; </a:t>
-            </a:r>
-            <a:r>
-              <a:rPr lang="en" altLang="ko-Kore-KR" sz="1800" dirty="0" err="1">
-                <a:effectLst/>
-                <a:highlight>
-                  <a:srgbClr val="EFEFEF"/>
-                </a:highlight>
-                <a:latin typeface="Consolas" panose="020B0609020204030204" pitchFamily="49" charset="0"/>
-              </a:rPr>
-              <a:t>endl</a:t>
-            </a:r>
-            <a:r>
-              <a:rPr lang="en" altLang="ko-Kore-KR" sz="1800" dirty="0">
-                <a:effectLst/>
-                <a:highlight>
-                  <a:srgbClr val="EFEFEF"/>
-                </a:highlight>
-                <a:latin typeface="Consolas" panose="020B0609020204030204" pitchFamily="49" charset="0"/>
-              </a:rPr>
-              <a:t>; </a:t>
-            </a:r>
-          </a:p>
-          <a:p>
-            <a:pPr marL="0" indent="0">
-              <a:buNone/>
-            </a:pPr>
-            <a:r>
-              <a:rPr lang="ko-KR" altLang="en-US" sz="1800" dirty="0">
-                <a:effectLst/>
-                <a:highlight>
-                  <a:srgbClr val="EFEFEF"/>
-                </a:highlight>
-                <a:latin typeface="Consolas" panose="020B0609020204030204" pitchFamily="49" charset="0"/>
-              </a:rPr>
-              <a:t>    </a:t>
-            </a:r>
-            <a:r>
-              <a:rPr lang="en" altLang="ko-Kore-KR" sz="1800" dirty="0">
-                <a:effectLst/>
-                <a:highlight>
-                  <a:srgbClr val="EFEFEF"/>
-                </a:highlight>
-                <a:latin typeface="Consolas" panose="020B0609020204030204" pitchFamily="49" charset="0"/>
-              </a:rPr>
-              <a:t>else {</a:t>
-            </a:r>
-            <a:br>
-              <a:rPr lang="en" altLang="ko-Kore-KR" sz="1800" dirty="0">
-                <a:effectLst/>
-                <a:highlight>
-                  <a:srgbClr val="EFEFEF"/>
-                </a:highlight>
-                <a:latin typeface="Consolas" panose="020B0609020204030204" pitchFamily="49" charset="0"/>
-              </a:rPr>
-            </a:br>
-            <a:r>
-              <a:rPr lang="ko-KR" altLang="en-US" sz="1800" dirty="0">
-                <a:effectLst/>
-                <a:highlight>
-                  <a:srgbClr val="EFEFEF"/>
-                </a:highlight>
-                <a:latin typeface="Consolas" panose="020B0609020204030204" pitchFamily="49" charset="0"/>
-              </a:rPr>
-              <a:t>        </a:t>
-            </a:r>
-            <a:r>
-              <a:rPr lang="en" altLang="ko-Kore-KR" sz="1800" dirty="0" err="1">
-                <a:effectLst/>
-                <a:highlight>
-                  <a:srgbClr val="EFEFEF"/>
-                </a:highlight>
-                <a:latin typeface="Consolas" panose="020B0609020204030204" pitchFamily="49" charset="0"/>
-              </a:rPr>
-              <a:t>cout</a:t>
-            </a:r>
-            <a:r>
-              <a:rPr lang="en" altLang="ko-Kore-KR" sz="1800" dirty="0">
-                <a:effectLst/>
-                <a:highlight>
-                  <a:srgbClr val="EFEFEF"/>
-                </a:highlight>
-                <a:latin typeface="Consolas" panose="020B0609020204030204" pitchFamily="49" charset="0"/>
-              </a:rPr>
-              <a:t> &lt;&lt; "Front[" &lt;&lt; q-&gt;front &lt;&lt; "], Rear["&lt;&lt; q-&gt;rear &lt;&lt; "]\n"; </a:t>
-            </a:r>
-          </a:p>
-          <a:p>
-            <a:pPr marL="0" indent="0">
-              <a:buNone/>
-            </a:pPr>
-            <a:r>
-              <a:rPr lang="ko-KR" altLang="en-US" sz="1800" dirty="0">
-                <a:effectLst/>
-                <a:highlight>
-                  <a:srgbClr val="EFEFEF"/>
-                </a:highlight>
-                <a:latin typeface="Consolas" panose="020B0609020204030204" pitchFamily="49" charset="0"/>
-              </a:rPr>
-              <a:t>        </a:t>
-            </a:r>
-            <a:r>
-              <a:rPr lang="en" altLang="ko-Kore-KR" sz="1800" dirty="0" err="1">
-                <a:effectLst/>
-                <a:highlight>
-                  <a:srgbClr val="EFEFEF"/>
-                </a:highlight>
-                <a:latin typeface="Consolas" panose="020B0609020204030204" pitchFamily="49" charset="0"/>
-              </a:rPr>
-              <a:t>cout</a:t>
-            </a:r>
-            <a:r>
-              <a:rPr lang="en" altLang="ko-Kore-KR" sz="1800" dirty="0">
-                <a:effectLst/>
-                <a:highlight>
-                  <a:srgbClr val="EFEFEF"/>
-                </a:highlight>
-                <a:latin typeface="Consolas" panose="020B0609020204030204" pitchFamily="49" charset="0"/>
-              </a:rPr>
-              <a:t> &lt;&lt; "Items[ ";</a:t>
-            </a:r>
-          </a:p>
-          <a:p>
-            <a:pPr marL="0" indent="0">
-              <a:buNone/>
-            </a:pPr>
-            <a:br>
-              <a:rPr lang="en" altLang="ko-Kore-KR" sz="1800" dirty="0">
-                <a:effectLst/>
-                <a:highlight>
-                  <a:srgbClr val="EFEFEF"/>
-                </a:highlight>
-                <a:latin typeface="Consolas" panose="020B0609020204030204" pitchFamily="49" charset="0"/>
-              </a:rPr>
-            </a:br>
-            <a:r>
-              <a:rPr lang="ko-KR" altLang="en-US" sz="1800" dirty="0">
-                <a:effectLst/>
-                <a:highlight>
-                  <a:srgbClr val="EFEFEF"/>
-                </a:highlight>
-                <a:latin typeface="Consolas" panose="020B0609020204030204" pitchFamily="49" charset="0"/>
-              </a:rPr>
-              <a:t>        </a:t>
-            </a:r>
-            <a:r>
-              <a:rPr lang="en" altLang="ko-Kore-KR" sz="1800" dirty="0">
-                <a:effectLst/>
-                <a:highlight>
-                  <a:srgbClr val="EFEFEF"/>
-                </a:highlight>
-                <a:latin typeface="Consolas" panose="020B0609020204030204" pitchFamily="49" charset="0"/>
-              </a:rPr>
-              <a:t>for(</a:t>
-            </a:r>
-            <a:r>
-              <a:rPr lang="en" altLang="ko-Kore-KR" sz="1800" dirty="0" err="1">
-                <a:effectLst/>
-                <a:highlight>
-                  <a:srgbClr val="EFEFEF"/>
-                </a:highlight>
-                <a:latin typeface="Consolas" panose="020B0609020204030204" pitchFamily="49" charset="0"/>
-              </a:rPr>
-              <a:t>i</a:t>
-            </a:r>
-            <a:r>
-              <a:rPr lang="en" altLang="ko-Kore-KR" sz="1800" dirty="0">
-                <a:effectLst/>
-                <a:highlight>
-                  <a:srgbClr val="EFEFEF"/>
-                </a:highlight>
-                <a:latin typeface="Consolas" panose="020B0609020204030204" pitchFamily="49" charset="0"/>
-              </a:rPr>
-              <a:t> = q-&gt;front; </a:t>
-            </a:r>
-            <a:r>
-              <a:rPr lang="en" altLang="ko-Kore-KR" sz="1800" dirty="0" err="1">
-                <a:effectLst/>
-                <a:highlight>
-                  <a:srgbClr val="EFEFEF"/>
-                </a:highlight>
-                <a:latin typeface="Consolas" panose="020B0609020204030204" pitchFamily="49" charset="0"/>
-              </a:rPr>
-              <a:t>i</a:t>
-            </a:r>
-            <a:r>
-              <a:rPr lang="en" altLang="ko-Kore-KR" sz="1800" dirty="0">
-                <a:effectLst/>
-                <a:highlight>
-                  <a:srgbClr val="EFEFEF"/>
-                </a:highlight>
-                <a:latin typeface="Consolas" panose="020B0609020204030204" pitchFamily="49" charset="0"/>
-              </a:rPr>
-              <a:t> </a:t>
-            </a:r>
-            <a:r>
-              <a:rPr lang="en-US" altLang="ko-KR" sz="1800" dirty="0">
-                <a:effectLst/>
-                <a:highlight>
-                  <a:srgbClr val="EFEFEF"/>
-                </a:highlight>
-                <a:latin typeface="Consolas" panose="020B0609020204030204" pitchFamily="49" charset="0"/>
-              </a:rPr>
-              <a:t>&lt;</a:t>
-            </a:r>
-            <a:r>
-              <a:rPr lang="en" altLang="ko-Kore-KR" sz="1800" dirty="0">
-                <a:effectLst/>
-                <a:highlight>
-                  <a:srgbClr val="EFEFEF"/>
-                </a:highlight>
-                <a:latin typeface="Consolas" panose="020B0609020204030204" pitchFamily="49" charset="0"/>
-              </a:rPr>
-              <a:t>= q-&gt;rear; </a:t>
-            </a:r>
-            <a:r>
-              <a:rPr lang="en" altLang="ko-Kore-KR" sz="1800" dirty="0" err="1">
-                <a:effectLst/>
-                <a:highlight>
-                  <a:srgbClr val="EFEFEF"/>
-                </a:highlight>
-                <a:latin typeface="Consolas" panose="020B0609020204030204" pitchFamily="49" charset="0"/>
-              </a:rPr>
-              <a:t>i</a:t>
-            </a:r>
-            <a:r>
-              <a:rPr lang="en" altLang="ko-Kore-KR" sz="1800" dirty="0">
-                <a:effectLst/>
-                <a:highlight>
-                  <a:srgbClr val="EFEFEF"/>
-                </a:highlight>
-                <a:latin typeface="Consolas" panose="020B0609020204030204" pitchFamily="49" charset="0"/>
-              </a:rPr>
-              <a:t> = </a:t>
-            </a:r>
-            <a:r>
-              <a:rPr lang="en" altLang="ko-Kore-KR" sz="1800" dirty="0" err="1">
-                <a:effectLst/>
-                <a:highlight>
-                  <a:srgbClr val="EFEFEF"/>
-                </a:highlight>
-                <a:latin typeface="Consolas" panose="020B0609020204030204" pitchFamily="49" charset="0"/>
-              </a:rPr>
-              <a:t>i</a:t>
-            </a:r>
-            <a:r>
-              <a:rPr lang="en" altLang="ko-Kore-KR" sz="1800" dirty="0">
-                <a:effectLst/>
-                <a:highlight>
-                  <a:srgbClr val="EFEFEF"/>
-                </a:highlight>
-                <a:latin typeface="Consolas" panose="020B0609020204030204" pitchFamily="49" charset="0"/>
-              </a:rPr>
-              <a:t> + 1) </a:t>
-            </a:r>
-            <a:endParaRPr lang="en" altLang="ko-Kore-KR" dirty="0">
-              <a:effectLst/>
-              <a:highlight>
-                <a:srgbClr val="EFEFEF"/>
-              </a:highlight>
-            </a:endParaRPr>
-          </a:p>
-          <a:p>
-            <a:pPr marL="0" indent="0">
-              <a:buNone/>
-            </a:pPr>
-            <a:r>
-              <a:rPr lang="ko-KR" altLang="en-US" sz="1800" dirty="0">
-                <a:effectLst/>
-                <a:highlight>
-                  <a:srgbClr val="EFEFEF"/>
-                </a:highlight>
-                <a:latin typeface="Consolas" panose="020B0609020204030204" pitchFamily="49" charset="0"/>
-              </a:rPr>
-              <a:t>            </a:t>
-            </a:r>
-            <a:r>
-              <a:rPr lang="en" altLang="ko-Kore-KR" sz="1800" dirty="0" err="1">
-                <a:effectLst/>
-                <a:highlight>
-                  <a:srgbClr val="EFEFEF"/>
-                </a:highlight>
-                <a:latin typeface="Consolas" panose="020B0609020204030204" pitchFamily="49" charset="0"/>
-              </a:rPr>
-              <a:t>cout</a:t>
-            </a:r>
-            <a:r>
-              <a:rPr lang="en" altLang="ko-Kore-KR" sz="1800" dirty="0">
-                <a:effectLst/>
-                <a:highlight>
-                  <a:srgbClr val="EFEFEF"/>
-                </a:highlight>
-                <a:latin typeface="Consolas" panose="020B0609020204030204" pitchFamily="49" charset="0"/>
-              </a:rPr>
-              <a:t> &lt;&lt; q-&gt;items[</a:t>
-            </a:r>
-            <a:r>
-              <a:rPr lang="en" altLang="ko-Kore-KR" sz="1800" dirty="0" err="1">
-                <a:effectLst/>
-                <a:highlight>
-                  <a:srgbClr val="EFEFEF"/>
-                </a:highlight>
-                <a:latin typeface="Consolas" panose="020B0609020204030204" pitchFamily="49" charset="0"/>
-              </a:rPr>
-              <a:t>i</a:t>
-            </a:r>
-            <a:r>
-              <a:rPr lang="en" altLang="ko-Kore-KR" sz="1800" dirty="0">
-                <a:effectLst/>
-                <a:highlight>
-                  <a:srgbClr val="EFEFEF"/>
-                </a:highlight>
-                <a:latin typeface="Consolas" panose="020B0609020204030204" pitchFamily="49" charset="0"/>
-              </a:rPr>
-              <a:t>] &lt;&lt; ' ‘; </a:t>
-            </a:r>
-          </a:p>
-          <a:p>
-            <a:pPr marL="0" indent="0">
-              <a:buNone/>
-            </a:pPr>
-            <a:r>
-              <a:rPr lang="ko-KR" altLang="en-US" sz="1800" dirty="0">
-                <a:highlight>
-                  <a:srgbClr val="EFEFEF"/>
-                </a:highlight>
-                <a:latin typeface="Consolas" panose="020B0609020204030204" pitchFamily="49" charset="0"/>
-              </a:rPr>
-              <a:t>        </a:t>
-            </a:r>
-            <a:r>
-              <a:rPr lang="en" altLang="ko-Kore-KR" sz="1800" dirty="0" err="1">
-                <a:effectLst/>
-                <a:highlight>
-                  <a:srgbClr val="EFEFEF"/>
-                </a:highlight>
-                <a:latin typeface="Consolas" panose="020B0609020204030204" pitchFamily="49" charset="0"/>
-              </a:rPr>
-              <a:t>cout</a:t>
-            </a:r>
-            <a:r>
-              <a:rPr lang="en" altLang="ko-Kore-KR" sz="1800" dirty="0">
-                <a:effectLst/>
-                <a:highlight>
-                  <a:srgbClr val="EFEFEF"/>
-                </a:highlight>
-                <a:latin typeface="Consolas" panose="020B0609020204030204" pitchFamily="49" charset="0"/>
-              </a:rPr>
-              <a:t> &lt;&lt; q-&gt;items[</a:t>
-            </a:r>
-            <a:r>
-              <a:rPr lang="en" altLang="ko-Kore-KR" sz="1800" dirty="0" err="1">
-                <a:effectLst/>
-                <a:highlight>
-                  <a:srgbClr val="EFEFEF"/>
-                </a:highlight>
-                <a:latin typeface="Consolas" panose="020B0609020204030204" pitchFamily="49" charset="0"/>
-              </a:rPr>
-              <a:t>i</a:t>
-            </a:r>
-            <a:r>
-              <a:rPr lang="en" altLang="ko-Kore-KR" sz="1800" dirty="0">
-                <a:effectLst/>
-                <a:highlight>
-                  <a:srgbClr val="EFEFEF"/>
-                </a:highlight>
-                <a:latin typeface="Consolas" panose="020B0609020204030204" pitchFamily="49" charset="0"/>
-              </a:rPr>
-              <a:t>]; </a:t>
-            </a:r>
-          </a:p>
-          <a:p>
-            <a:pPr marL="0" indent="0">
-              <a:buNone/>
-            </a:pPr>
-            <a:r>
-              <a:rPr lang="ko-KR" altLang="en-US" sz="1800" dirty="0">
-                <a:highlight>
-                  <a:srgbClr val="EFEFEF"/>
-                </a:highlight>
-                <a:latin typeface="Consolas" panose="020B0609020204030204" pitchFamily="49" charset="0"/>
-              </a:rPr>
-              <a:t>        </a:t>
-            </a:r>
-            <a:r>
-              <a:rPr lang="en" altLang="ko-Kore-KR" sz="1800" dirty="0" err="1">
-                <a:effectLst/>
-                <a:highlight>
-                  <a:srgbClr val="EFEFEF"/>
-                </a:highlight>
-                <a:latin typeface="Consolas" panose="020B0609020204030204" pitchFamily="49" charset="0"/>
-              </a:rPr>
-              <a:t>cout</a:t>
-            </a:r>
-            <a:r>
-              <a:rPr lang="en" altLang="ko-Kore-KR" sz="1800" dirty="0">
-                <a:effectLst/>
-                <a:highlight>
-                  <a:srgbClr val="EFEFEF"/>
-                </a:highlight>
-                <a:latin typeface="Consolas" panose="020B0609020204030204" pitchFamily="49" charset="0"/>
-              </a:rPr>
-              <a:t> &lt;&lt; "]\n"; </a:t>
-            </a:r>
-          </a:p>
-          <a:p>
-            <a:pPr marL="0" indent="0">
-              <a:buNone/>
-            </a:pPr>
-            <a:r>
-              <a:rPr lang="ko-KR" altLang="en-US" sz="1800" dirty="0">
-                <a:highlight>
-                  <a:srgbClr val="EFEFEF"/>
-                </a:highlight>
-                <a:latin typeface="Consolas" panose="020B0609020204030204" pitchFamily="49" charset="0"/>
-              </a:rPr>
-              <a:t>        </a:t>
-            </a:r>
-            <a:endParaRPr lang="en" altLang="ko-Kore-KR" sz="1800" dirty="0">
-              <a:effectLst/>
-              <a:highlight>
-                <a:srgbClr val="EFEFEF"/>
-              </a:highlight>
-              <a:latin typeface="Consolas" panose="020B0609020204030204" pitchFamily="49" charset="0"/>
-            </a:endParaRPr>
-          </a:p>
-          <a:p>
-            <a:pPr marL="0" indent="0">
-              <a:buNone/>
-            </a:pPr>
-            <a:r>
-              <a:rPr lang="ko-KR" altLang="en-US" sz="1800" dirty="0">
-                <a:highlight>
-                  <a:srgbClr val="EFEFEF"/>
-                </a:highlight>
-                <a:latin typeface="Consolas" panose="020B0609020204030204" pitchFamily="49" charset="0"/>
-              </a:rPr>
-              <a:t>    </a:t>
-            </a:r>
-            <a:r>
-              <a:rPr lang="en" altLang="ko-Kore-KR" sz="1800" dirty="0">
-                <a:effectLst/>
-                <a:highlight>
-                  <a:srgbClr val="EFEFEF"/>
-                </a:highlight>
-                <a:latin typeface="Consolas" panose="020B0609020204030204" pitchFamily="49" charset="0"/>
-              </a:rPr>
-              <a:t>} </a:t>
-            </a:r>
-          </a:p>
-          <a:p>
-            <a:pPr marL="0" indent="0">
-              <a:buNone/>
-            </a:pPr>
-            <a:r>
-              <a:rPr lang="en" altLang="ko-Kore-KR" sz="1800" dirty="0">
-                <a:effectLst/>
-                <a:highlight>
-                  <a:srgbClr val="EFEFEF"/>
-                </a:highlight>
-                <a:latin typeface="Consolas" panose="020B0609020204030204" pitchFamily="49" charset="0"/>
-              </a:rPr>
-              <a:t>}</a:t>
-            </a:r>
-            <a:r>
-              <a:rPr lang="en-US" altLang="ko-KR" sz="1800" dirty="0">
-                <a:effectLst/>
-                <a:highlight>
-                  <a:srgbClr val="EFEFEF"/>
-                </a:highlight>
-                <a:latin typeface="Consolas" panose="020B0609020204030204" pitchFamily="49" charset="0"/>
-              </a:rPr>
-              <a:t> </a:t>
-            </a:r>
-            <a:endParaRPr lang="en" altLang="ko-Kore-KR" dirty="0">
-              <a:effectLst/>
-              <a:highlight>
-                <a:srgbClr val="EFEFEF"/>
-              </a:highlight>
-            </a:endParaRPr>
-          </a:p>
-          <a:p>
-            <a:endParaRPr kumimoji="1" lang="ko-Kore-KR" altLang="en-US" dirty="0"/>
-          </a:p>
-        </p:txBody>
-      </p:sp>
-      <p:sp>
-        <p:nvSpPr>
-          <p:cNvPr id="4" name="슬라이드 번호 개체 틀 3">
-            <a:extLst>
-              <a:ext uri="{FF2B5EF4-FFF2-40B4-BE49-F238E27FC236}">
-                <a16:creationId xmlns:a16="http://schemas.microsoft.com/office/drawing/2014/main" id="{68BAF295-DBB2-E638-350F-B966D2FE97FA}"/>
-              </a:ext>
-            </a:extLst>
-          </p:cNvPr>
-          <p:cNvSpPr>
-            <a:spLocks noGrp="1"/>
-          </p:cNvSpPr>
-          <p:nvPr>
-            <p:ph type="sldNum" sz="quarter" idx="12"/>
-          </p:nvPr>
-        </p:nvSpPr>
-        <p:spPr/>
-        <p:txBody>
-          <a:bodyPr/>
-          <a:lstStyle/>
-          <a:p>
-            <a:fld id="{5292DF6F-3DA5-4765-A844-0D90919D9092}" type="slidenum">
-              <a:rPr lang="en-US" altLang="ko-KR" smtClean="0"/>
-              <a:pPr/>
-              <a:t>3</a:t>
-            </a:fld>
-            <a:endParaRPr lang="en-US" altLang="ko-KR"/>
-          </a:p>
-        </p:txBody>
-      </p:sp>
-    </p:spTree>
-    <p:extLst>
-      <p:ext uri="{BB962C8B-B14F-4D97-AF65-F5344CB8AC3E}">
-        <p14:creationId xmlns:p14="http://schemas.microsoft.com/office/powerpoint/2010/main" val="2768695503"/>
       </p:ext>
     </p:extLst>
   </p:cSld>
